--- a/LoRaRouting.pptx
+++ b/LoRaRouting.pptx
@@ -262,7 +262,7 @@
           <a:p>
             <a:fld id="{0B1EA54E-92B9-46DD-96E4-405108DFE9C3}" type="datetimeFigureOut">
               <a:rPr lang="de-DE" smtClean="0"/>
-              <a:t>21.11.2018</a:t>
+              <a:t>22.11.2018</a:t>
             </a:fld>
             <a:endParaRPr lang="de-DE"/>
           </a:p>
@@ -432,7 +432,7 @@
           <a:p>
             <a:fld id="{0B1EA54E-92B9-46DD-96E4-405108DFE9C3}" type="datetimeFigureOut">
               <a:rPr lang="de-DE" smtClean="0"/>
-              <a:t>21.11.2018</a:t>
+              <a:t>22.11.2018</a:t>
             </a:fld>
             <a:endParaRPr lang="de-DE"/>
           </a:p>
@@ -612,7 +612,7 @@
           <a:p>
             <a:fld id="{0B1EA54E-92B9-46DD-96E4-405108DFE9C3}" type="datetimeFigureOut">
               <a:rPr lang="de-DE" smtClean="0"/>
-              <a:t>21.11.2018</a:t>
+              <a:t>22.11.2018</a:t>
             </a:fld>
             <a:endParaRPr lang="de-DE"/>
           </a:p>
@@ -782,7 +782,7 @@
           <a:p>
             <a:fld id="{0B1EA54E-92B9-46DD-96E4-405108DFE9C3}" type="datetimeFigureOut">
               <a:rPr lang="de-DE" smtClean="0"/>
-              <a:t>21.11.2018</a:t>
+              <a:t>22.11.2018</a:t>
             </a:fld>
             <a:endParaRPr lang="de-DE"/>
           </a:p>
@@ -1028,7 +1028,7 @@
           <a:p>
             <a:fld id="{0B1EA54E-92B9-46DD-96E4-405108DFE9C3}" type="datetimeFigureOut">
               <a:rPr lang="de-DE" smtClean="0"/>
-              <a:t>21.11.2018</a:t>
+              <a:t>22.11.2018</a:t>
             </a:fld>
             <a:endParaRPr lang="de-DE"/>
           </a:p>
@@ -1260,7 +1260,7 @@
           <a:p>
             <a:fld id="{0B1EA54E-92B9-46DD-96E4-405108DFE9C3}" type="datetimeFigureOut">
               <a:rPr lang="de-DE" smtClean="0"/>
-              <a:t>21.11.2018</a:t>
+              <a:t>22.11.2018</a:t>
             </a:fld>
             <a:endParaRPr lang="de-DE"/>
           </a:p>
@@ -1627,7 +1627,7 @@
           <a:p>
             <a:fld id="{0B1EA54E-92B9-46DD-96E4-405108DFE9C3}" type="datetimeFigureOut">
               <a:rPr lang="de-DE" smtClean="0"/>
-              <a:t>21.11.2018</a:t>
+              <a:t>22.11.2018</a:t>
             </a:fld>
             <a:endParaRPr lang="de-DE"/>
           </a:p>
@@ -1745,7 +1745,7 @@
           <a:p>
             <a:fld id="{0B1EA54E-92B9-46DD-96E4-405108DFE9C3}" type="datetimeFigureOut">
               <a:rPr lang="de-DE" smtClean="0"/>
-              <a:t>21.11.2018</a:t>
+              <a:t>22.11.2018</a:t>
             </a:fld>
             <a:endParaRPr lang="de-DE"/>
           </a:p>
@@ -1840,7 +1840,7 @@
           <a:p>
             <a:fld id="{0B1EA54E-92B9-46DD-96E4-405108DFE9C3}" type="datetimeFigureOut">
               <a:rPr lang="de-DE" smtClean="0"/>
-              <a:t>21.11.2018</a:t>
+              <a:t>22.11.2018</a:t>
             </a:fld>
             <a:endParaRPr lang="de-DE"/>
           </a:p>
@@ -2117,7 +2117,7 @@
           <a:p>
             <a:fld id="{0B1EA54E-92B9-46DD-96E4-405108DFE9C3}" type="datetimeFigureOut">
               <a:rPr lang="de-DE" smtClean="0"/>
-              <a:t>21.11.2018</a:t>
+              <a:t>22.11.2018</a:t>
             </a:fld>
             <a:endParaRPr lang="de-DE"/>
           </a:p>
@@ -2370,7 +2370,7 @@
           <a:p>
             <a:fld id="{0B1EA54E-92B9-46DD-96E4-405108DFE9C3}" type="datetimeFigureOut">
               <a:rPr lang="de-DE" smtClean="0"/>
-              <a:t>21.11.2018</a:t>
+              <a:t>22.11.2018</a:t>
             </a:fld>
             <a:endParaRPr lang="de-DE"/>
           </a:p>
@@ -2583,7 +2583,7 @@
           <a:p>
             <a:fld id="{0B1EA54E-92B9-46DD-96E4-405108DFE9C3}" type="datetimeFigureOut">
               <a:rPr lang="de-DE" smtClean="0"/>
-              <a:t>21.11.2018</a:t>
+              <a:t>22.11.2018</a:t>
             </a:fld>
             <a:endParaRPr lang="de-DE"/>
           </a:p>
@@ -3228,60 +3228,6 @@
       </p:graphicFrame>
       <p:sp>
         <p:nvSpPr>
-          <p:cNvPr id="11" name="Textfeld 10"/>
-          <p:cNvSpPr txBox="1"/>
-          <p:nvPr/>
-        </p:nvSpPr>
-        <p:spPr>
-          <a:xfrm>
-            <a:off x="7637550" y="4032688"/>
-            <a:ext cx="4408447" cy="1200329"/>
-          </a:xfrm>
-          <a:prstGeom prst="rect">
-            <a:avLst/>
-          </a:prstGeom>
-          <a:noFill/>
-        </p:spPr>
-        <p:txBody>
-          <a:bodyPr wrap="square" rtlCol="0">
-            <a:spAutoFit/>
-          </a:bodyPr>
-          <a:lstStyle/>
-          <a:p>
-            <a:r>
-              <a:rPr lang="de-DE" dirty="0" smtClean="0"/>
-              <a:t>Die </a:t>
-            </a:r>
-            <a:r>
-              <a:rPr lang="de-DE" dirty="0" err="1" smtClean="0"/>
-              <a:t>NeighboorList</a:t>
-            </a:r>
-            <a:r>
-              <a:rPr lang="de-DE" dirty="0" smtClean="0"/>
-              <a:t> soll zur </a:t>
-            </a:r>
-            <a:r>
-              <a:rPr lang="de-DE" dirty="0"/>
-              <a:t>E</a:t>
-            </a:r>
-            <a:r>
-              <a:rPr lang="de-DE" dirty="0" smtClean="0"/>
-              <a:t>rgänzung dienen und nur beim Senden abgefragt werden. Wenn der Empfänger nicht in der Liste ist wird auf der </a:t>
-            </a:r>
-            <a:r>
-              <a:rPr lang="de-DE" dirty="0" err="1" smtClean="0"/>
-              <a:t>BroadcastAdresse</a:t>
-            </a:r>
-            <a:r>
-              <a:rPr lang="de-DE" dirty="0" smtClean="0"/>
-              <a:t> gesendet </a:t>
-            </a:r>
-            <a:endParaRPr lang="de-DE" dirty="0"/>
-          </a:p>
-        </p:txBody>
-      </p:sp>
-      <p:sp>
-        <p:nvSpPr>
           <p:cNvPr id="15" name="Textfeld 14"/>
           <p:cNvSpPr txBox="1"/>
           <p:nvPr/>
@@ -3430,6 +3376,258 @@
           </a:p>
         </p:txBody>
       </p:sp>
+      <p:sp>
+        <p:nvSpPr>
+          <p:cNvPr id="13" name="Textfeld 12"/>
+          <p:cNvSpPr txBox="1"/>
+          <p:nvPr/>
+        </p:nvSpPr>
+        <p:spPr>
+          <a:xfrm>
+            <a:off x="6661265" y="5455920"/>
+            <a:ext cx="4098175" cy="923330"/>
+          </a:xfrm>
+          <a:prstGeom prst="rect">
+            <a:avLst/>
+          </a:prstGeom>
+          <a:noFill/>
+        </p:spPr>
+        <p:txBody>
+          <a:bodyPr wrap="square" rtlCol="0">
+            <a:spAutoFit/>
+          </a:bodyPr>
+          <a:lstStyle/>
+          <a:p>
+            <a:r>
+              <a:rPr lang="de-DE" dirty="0" smtClean="0"/>
+              <a:t>Die </a:t>
+            </a:r>
+            <a:r>
+              <a:rPr lang="de-DE" dirty="0" err="1" smtClean="0"/>
+              <a:t>NeighboorList</a:t>
+            </a:r>
+            <a:r>
+              <a:rPr lang="de-DE" dirty="0" smtClean="0"/>
+              <a:t> soll zur </a:t>
+            </a:r>
+            <a:r>
+              <a:rPr lang="de-DE" dirty="0" err="1" smtClean="0"/>
+              <a:t>vereinfachung</a:t>
+            </a:r>
+            <a:r>
+              <a:rPr lang="de-DE" dirty="0" smtClean="0"/>
+              <a:t> dienen ist aber eigentlich die Routing </a:t>
+            </a:r>
+            <a:r>
+              <a:rPr lang="de-DE" dirty="0"/>
+              <a:t>T</a:t>
+            </a:r>
+            <a:r>
+              <a:rPr lang="de-DE" dirty="0" smtClean="0"/>
+              <a:t>abelle Ergänzung dienen</a:t>
+            </a:r>
+            <a:endParaRPr lang="de-DE" dirty="0"/>
+          </a:p>
+        </p:txBody>
+      </p:sp>
+      <p:graphicFrame>
+        <p:nvGraphicFramePr>
+          <p:cNvPr id="14" name="Tabelle 13"/>
+          <p:cNvGraphicFramePr>
+            <a:graphicFrameLocks noGrp="1"/>
+          </p:cNvGraphicFramePr>
+          <p:nvPr>
+            <p:extLst>
+              <p:ext uri="{D42A27DB-BD31-4B8C-83A1-F6EECF244321}">
+                <p14:modId xmlns:p14="http://schemas.microsoft.com/office/powerpoint/2010/main" val="813206768"/>
+              </p:ext>
+            </p:extLst>
+          </p:nvPr>
+        </p:nvGraphicFramePr>
+        <p:xfrm>
+          <a:off x="589673" y="5543729"/>
+          <a:ext cx="5827752" cy="1097280"/>
+        </p:xfrm>
+        <a:graphic>
+          <a:graphicData uri="http://schemas.openxmlformats.org/drawingml/2006/table">
+            <a:tbl>
+              <a:tblPr firstRow="1" bandRow="1">
+                <a:tableStyleId>{5C22544A-7EE6-4342-B048-85BDC9FD1C3A}</a:tableStyleId>
+              </a:tblPr>
+              <a:tblGrid>
+                <a:gridCol w="1942584">
+                  <a:extLst>
+                    <a:ext uri="{9D8B030D-6E8A-4147-A177-3AD203B41FA5}">
+                      <a16:colId xmlns:a16="http://schemas.microsoft.com/office/drawing/2014/main" val="1181446937"/>
+                    </a:ext>
+                  </a:extLst>
+                </a:gridCol>
+                <a:gridCol w="1942584">
+                  <a:extLst>
+                    <a:ext uri="{9D8B030D-6E8A-4147-A177-3AD203B41FA5}">
+                      <a16:colId xmlns:a16="http://schemas.microsoft.com/office/drawing/2014/main" val="86100810"/>
+                    </a:ext>
+                  </a:extLst>
+                </a:gridCol>
+                <a:gridCol w="1942584">
+                  <a:extLst>
+                    <a:ext uri="{9D8B030D-6E8A-4147-A177-3AD203B41FA5}">
+                      <a16:colId xmlns:a16="http://schemas.microsoft.com/office/drawing/2014/main" val="3962326763"/>
+                    </a:ext>
+                  </a:extLst>
+                </a:gridCol>
+              </a:tblGrid>
+              <a:tr h="272884">
+                <a:tc>
+                  <a:txBody>
+                    <a:bodyPr/>
+                    <a:lstStyle/>
+                    <a:p>
+                      <a:r>
+                        <a:rPr lang="de-DE" dirty="0" smtClean="0"/>
+                        <a:t>Ziel</a:t>
+                      </a:r>
+                      <a:endParaRPr lang="de-DE" dirty="0"/>
+                    </a:p>
+                  </a:txBody>
+                  <a:tcPr/>
+                </a:tc>
+                <a:tc>
+                  <a:txBody>
+                    <a:bodyPr/>
+                    <a:lstStyle/>
+                    <a:p>
+                      <a:r>
+                        <a:rPr lang="de-DE" dirty="0" smtClean="0"/>
+                        <a:t>Hop</a:t>
+                      </a:r>
+                      <a:endParaRPr lang="de-DE" dirty="0"/>
+                    </a:p>
+                  </a:txBody>
+                  <a:tcPr/>
+                </a:tc>
+                <a:tc>
+                  <a:txBody>
+                    <a:bodyPr/>
+                    <a:lstStyle/>
+                    <a:p>
+                      <a:r>
+                        <a:rPr lang="de-DE" dirty="0" err="1" smtClean="0"/>
+                        <a:t>Metric</a:t>
+                      </a:r>
+                      <a:endParaRPr lang="de-DE" dirty="0"/>
+                    </a:p>
+                  </a:txBody>
+                  <a:tcPr/>
+                </a:tc>
+                <a:extLst>
+                  <a:ext uri="{0D108BD9-81ED-4DB2-BD59-A6C34878D82A}">
+                    <a16:rowId xmlns:a16="http://schemas.microsoft.com/office/drawing/2014/main" val="565498072"/>
+                  </a:ext>
+                </a:extLst>
+              </a:tr>
+              <a:tr h="272884">
+                <a:tc>
+                  <a:txBody>
+                    <a:bodyPr/>
+                    <a:lstStyle/>
+                    <a:p>
+                      <a:r>
+                        <a:rPr lang="de-DE" dirty="0" smtClean="0"/>
+                        <a:t>2000</a:t>
+                      </a:r>
+                      <a:endParaRPr lang="de-DE" dirty="0"/>
+                    </a:p>
+                  </a:txBody>
+                  <a:tcPr/>
+                </a:tc>
+                <a:tc>
+                  <a:txBody>
+                    <a:bodyPr/>
+                    <a:lstStyle/>
+                    <a:p>
+                      <a:r>
+                        <a:rPr lang="de-DE" dirty="0" smtClean="0"/>
+                        <a:t>2000</a:t>
+                      </a:r>
+                      <a:endParaRPr lang="de-DE" dirty="0"/>
+                    </a:p>
+                  </a:txBody>
+                  <a:tcPr/>
+                </a:tc>
+                <a:tc>
+                  <a:txBody>
+                    <a:bodyPr/>
+                    <a:lstStyle/>
+                    <a:p>
+                      <a:r>
+                        <a:rPr lang="de-DE" dirty="0" smtClean="0"/>
+                        <a:t>1</a:t>
+                      </a:r>
+                      <a:endParaRPr lang="de-DE" dirty="0"/>
+                    </a:p>
+                  </a:txBody>
+                  <a:tcPr/>
+                </a:tc>
+                <a:extLst>
+                  <a:ext uri="{0D108BD9-81ED-4DB2-BD59-A6C34878D82A}">
+                    <a16:rowId xmlns:a16="http://schemas.microsoft.com/office/drawing/2014/main" val="1742315632"/>
+                  </a:ext>
+                </a:extLst>
+              </a:tr>
+              <a:tr h="272884">
+                <a:tc>
+                  <a:txBody>
+                    <a:bodyPr/>
+                    <a:lstStyle/>
+                    <a:p>
+                      <a:r>
+                        <a:rPr lang="de-DE" dirty="0" smtClean="0"/>
+                        <a:t>3000</a:t>
+                      </a:r>
+                      <a:endParaRPr lang="de-DE" dirty="0"/>
+                    </a:p>
+                  </a:txBody>
+                  <a:tcPr/>
+                </a:tc>
+                <a:tc>
+                  <a:txBody>
+                    <a:bodyPr/>
+                    <a:lstStyle/>
+                    <a:p>
+                      <a:r>
+                        <a:rPr lang="de-DE" dirty="0" smtClean="0"/>
+                        <a:t>3000</a:t>
+                      </a:r>
+                      <a:endParaRPr lang="de-DE" dirty="0"/>
+                    </a:p>
+                  </a:txBody>
+                  <a:tcPr/>
+                </a:tc>
+                <a:tc>
+                  <a:txBody>
+                    <a:bodyPr/>
+                    <a:lstStyle/>
+                    <a:p>
+                      <a:r>
+                        <a:rPr lang="de-DE" dirty="0" smtClean="0"/>
+                        <a:t>1</a:t>
+                      </a:r>
+                      <a:endParaRPr lang="de-DE" dirty="0"/>
+                    </a:p>
+                  </a:txBody>
+                  <a:tcPr/>
+                </a:tc>
+                <a:extLst>
+                  <a:ext uri="{0D108BD9-81ED-4DB2-BD59-A6C34878D82A}">
+                    <a16:rowId xmlns:a16="http://schemas.microsoft.com/office/drawing/2014/main" val="471786931"/>
+                  </a:ext>
+                </a:extLst>
+              </a:tr>
+            </a:tbl>
+          </a:graphicData>
+        </a:graphic>
+      </p:graphicFrame>
     </p:spTree>
     <p:extLst>
       <p:ext uri="{BB962C8B-B14F-4D97-AF65-F5344CB8AC3E}">
@@ -4521,60 +4719,6 @@
       </p:graphicFrame>
       <p:sp>
         <p:nvSpPr>
-          <p:cNvPr id="11" name="Textfeld 10"/>
-          <p:cNvSpPr txBox="1"/>
-          <p:nvPr/>
-        </p:nvSpPr>
-        <p:spPr>
-          <a:xfrm>
-            <a:off x="7637550" y="4032688"/>
-            <a:ext cx="4408447" cy="1200329"/>
-          </a:xfrm>
-          <a:prstGeom prst="rect">
-            <a:avLst/>
-          </a:prstGeom>
-          <a:noFill/>
-        </p:spPr>
-        <p:txBody>
-          <a:bodyPr wrap="square" rtlCol="0">
-            <a:spAutoFit/>
-          </a:bodyPr>
-          <a:lstStyle/>
-          <a:p>
-            <a:r>
-              <a:rPr lang="de-DE" dirty="0" smtClean="0"/>
-              <a:t>Die </a:t>
-            </a:r>
-            <a:r>
-              <a:rPr lang="de-DE" dirty="0" err="1" smtClean="0"/>
-              <a:t>NeighboorList</a:t>
-            </a:r>
-            <a:r>
-              <a:rPr lang="de-DE" dirty="0" smtClean="0"/>
-              <a:t> soll zur </a:t>
-            </a:r>
-            <a:r>
-              <a:rPr lang="de-DE" dirty="0"/>
-              <a:t>E</a:t>
-            </a:r>
-            <a:r>
-              <a:rPr lang="de-DE" dirty="0" smtClean="0"/>
-              <a:t>rgänzung dienen und nur beim Senden abgefragt werden. Wenn der Empfänger nicht in der Liste ist wird auf der </a:t>
-            </a:r>
-            <a:r>
-              <a:rPr lang="de-DE" dirty="0" err="1" smtClean="0"/>
-              <a:t>BroadcastAdresse</a:t>
-            </a:r>
-            <a:r>
-              <a:rPr lang="de-DE" dirty="0" smtClean="0"/>
-              <a:t> gesendet </a:t>
-            </a:r>
-            <a:endParaRPr lang="de-DE" dirty="0"/>
-          </a:p>
-        </p:txBody>
-      </p:sp>
-      <p:sp>
-        <p:nvSpPr>
           <p:cNvPr id="15" name="Textfeld 14"/>
           <p:cNvSpPr txBox="1"/>
           <p:nvPr/>
@@ -4643,6 +4787,258 @@
           </a:p>
         </p:txBody>
       </p:sp>
+      <p:sp>
+        <p:nvSpPr>
+          <p:cNvPr id="8" name="Textfeld 7"/>
+          <p:cNvSpPr txBox="1"/>
+          <p:nvPr/>
+        </p:nvSpPr>
+        <p:spPr>
+          <a:xfrm>
+            <a:off x="6661265" y="5455920"/>
+            <a:ext cx="4098175" cy="923330"/>
+          </a:xfrm>
+          <a:prstGeom prst="rect">
+            <a:avLst/>
+          </a:prstGeom>
+          <a:noFill/>
+        </p:spPr>
+        <p:txBody>
+          <a:bodyPr wrap="square" rtlCol="0">
+            <a:spAutoFit/>
+          </a:bodyPr>
+          <a:lstStyle/>
+          <a:p>
+            <a:r>
+              <a:rPr lang="de-DE" dirty="0" smtClean="0"/>
+              <a:t>Die </a:t>
+            </a:r>
+            <a:r>
+              <a:rPr lang="de-DE" dirty="0" err="1" smtClean="0"/>
+              <a:t>NeighboorList</a:t>
+            </a:r>
+            <a:r>
+              <a:rPr lang="de-DE" dirty="0" smtClean="0"/>
+              <a:t> soll zur </a:t>
+            </a:r>
+            <a:r>
+              <a:rPr lang="de-DE" dirty="0" err="1" smtClean="0"/>
+              <a:t>vereinfachung</a:t>
+            </a:r>
+            <a:r>
+              <a:rPr lang="de-DE" dirty="0" smtClean="0"/>
+              <a:t> dienen ist aber eigentlich die Routing </a:t>
+            </a:r>
+            <a:r>
+              <a:rPr lang="de-DE" dirty="0"/>
+              <a:t>T</a:t>
+            </a:r>
+            <a:r>
+              <a:rPr lang="de-DE" dirty="0" smtClean="0"/>
+              <a:t>abelle Ergänzung dienen</a:t>
+            </a:r>
+            <a:endParaRPr lang="de-DE" dirty="0"/>
+          </a:p>
+        </p:txBody>
+      </p:sp>
+      <p:graphicFrame>
+        <p:nvGraphicFramePr>
+          <p:cNvPr id="12" name="Tabelle 11"/>
+          <p:cNvGraphicFramePr>
+            <a:graphicFrameLocks noGrp="1"/>
+          </p:cNvGraphicFramePr>
+          <p:nvPr>
+            <p:extLst>
+              <p:ext uri="{D42A27DB-BD31-4B8C-83A1-F6EECF244321}">
+                <p14:modId xmlns:p14="http://schemas.microsoft.com/office/powerpoint/2010/main" val="813206768"/>
+              </p:ext>
+            </p:extLst>
+          </p:nvPr>
+        </p:nvGraphicFramePr>
+        <p:xfrm>
+          <a:off x="589673" y="5543729"/>
+          <a:ext cx="5827752" cy="1097280"/>
+        </p:xfrm>
+        <a:graphic>
+          <a:graphicData uri="http://schemas.openxmlformats.org/drawingml/2006/table">
+            <a:tbl>
+              <a:tblPr firstRow="1" bandRow="1">
+                <a:tableStyleId>{5C22544A-7EE6-4342-B048-85BDC9FD1C3A}</a:tableStyleId>
+              </a:tblPr>
+              <a:tblGrid>
+                <a:gridCol w="1942584">
+                  <a:extLst>
+                    <a:ext uri="{9D8B030D-6E8A-4147-A177-3AD203B41FA5}">
+                      <a16:colId xmlns:a16="http://schemas.microsoft.com/office/drawing/2014/main" val="1181446937"/>
+                    </a:ext>
+                  </a:extLst>
+                </a:gridCol>
+                <a:gridCol w="1942584">
+                  <a:extLst>
+                    <a:ext uri="{9D8B030D-6E8A-4147-A177-3AD203B41FA5}">
+                      <a16:colId xmlns:a16="http://schemas.microsoft.com/office/drawing/2014/main" val="86100810"/>
+                    </a:ext>
+                  </a:extLst>
+                </a:gridCol>
+                <a:gridCol w="1942584">
+                  <a:extLst>
+                    <a:ext uri="{9D8B030D-6E8A-4147-A177-3AD203B41FA5}">
+                      <a16:colId xmlns:a16="http://schemas.microsoft.com/office/drawing/2014/main" val="3962326763"/>
+                    </a:ext>
+                  </a:extLst>
+                </a:gridCol>
+              </a:tblGrid>
+              <a:tr h="272884">
+                <a:tc>
+                  <a:txBody>
+                    <a:bodyPr/>
+                    <a:lstStyle/>
+                    <a:p>
+                      <a:r>
+                        <a:rPr lang="de-DE" dirty="0" smtClean="0"/>
+                        <a:t>Ziel</a:t>
+                      </a:r>
+                      <a:endParaRPr lang="de-DE" dirty="0"/>
+                    </a:p>
+                  </a:txBody>
+                  <a:tcPr/>
+                </a:tc>
+                <a:tc>
+                  <a:txBody>
+                    <a:bodyPr/>
+                    <a:lstStyle/>
+                    <a:p>
+                      <a:r>
+                        <a:rPr lang="de-DE" dirty="0" smtClean="0"/>
+                        <a:t>Hop</a:t>
+                      </a:r>
+                      <a:endParaRPr lang="de-DE" dirty="0"/>
+                    </a:p>
+                  </a:txBody>
+                  <a:tcPr/>
+                </a:tc>
+                <a:tc>
+                  <a:txBody>
+                    <a:bodyPr/>
+                    <a:lstStyle/>
+                    <a:p>
+                      <a:r>
+                        <a:rPr lang="de-DE" dirty="0" err="1" smtClean="0"/>
+                        <a:t>Metric</a:t>
+                      </a:r>
+                      <a:endParaRPr lang="de-DE" dirty="0"/>
+                    </a:p>
+                  </a:txBody>
+                  <a:tcPr/>
+                </a:tc>
+                <a:extLst>
+                  <a:ext uri="{0D108BD9-81ED-4DB2-BD59-A6C34878D82A}">
+                    <a16:rowId xmlns:a16="http://schemas.microsoft.com/office/drawing/2014/main" val="565498072"/>
+                  </a:ext>
+                </a:extLst>
+              </a:tr>
+              <a:tr h="272884">
+                <a:tc>
+                  <a:txBody>
+                    <a:bodyPr/>
+                    <a:lstStyle/>
+                    <a:p>
+                      <a:r>
+                        <a:rPr lang="de-DE" dirty="0" smtClean="0"/>
+                        <a:t>2000</a:t>
+                      </a:r>
+                      <a:endParaRPr lang="de-DE" dirty="0"/>
+                    </a:p>
+                  </a:txBody>
+                  <a:tcPr/>
+                </a:tc>
+                <a:tc>
+                  <a:txBody>
+                    <a:bodyPr/>
+                    <a:lstStyle/>
+                    <a:p>
+                      <a:r>
+                        <a:rPr lang="de-DE" dirty="0" smtClean="0"/>
+                        <a:t>2000</a:t>
+                      </a:r>
+                      <a:endParaRPr lang="de-DE" dirty="0"/>
+                    </a:p>
+                  </a:txBody>
+                  <a:tcPr/>
+                </a:tc>
+                <a:tc>
+                  <a:txBody>
+                    <a:bodyPr/>
+                    <a:lstStyle/>
+                    <a:p>
+                      <a:r>
+                        <a:rPr lang="de-DE" dirty="0" smtClean="0"/>
+                        <a:t>1</a:t>
+                      </a:r>
+                      <a:endParaRPr lang="de-DE" dirty="0"/>
+                    </a:p>
+                  </a:txBody>
+                  <a:tcPr/>
+                </a:tc>
+                <a:extLst>
+                  <a:ext uri="{0D108BD9-81ED-4DB2-BD59-A6C34878D82A}">
+                    <a16:rowId xmlns:a16="http://schemas.microsoft.com/office/drawing/2014/main" val="1742315632"/>
+                  </a:ext>
+                </a:extLst>
+              </a:tr>
+              <a:tr h="272884">
+                <a:tc>
+                  <a:txBody>
+                    <a:bodyPr/>
+                    <a:lstStyle/>
+                    <a:p>
+                      <a:r>
+                        <a:rPr lang="de-DE" dirty="0" smtClean="0"/>
+                        <a:t>3000</a:t>
+                      </a:r>
+                      <a:endParaRPr lang="de-DE" dirty="0"/>
+                    </a:p>
+                  </a:txBody>
+                  <a:tcPr/>
+                </a:tc>
+                <a:tc>
+                  <a:txBody>
+                    <a:bodyPr/>
+                    <a:lstStyle/>
+                    <a:p>
+                      <a:r>
+                        <a:rPr lang="de-DE" dirty="0" smtClean="0"/>
+                        <a:t>3000</a:t>
+                      </a:r>
+                      <a:endParaRPr lang="de-DE" dirty="0"/>
+                    </a:p>
+                  </a:txBody>
+                  <a:tcPr/>
+                </a:tc>
+                <a:tc>
+                  <a:txBody>
+                    <a:bodyPr/>
+                    <a:lstStyle/>
+                    <a:p>
+                      <a:r>
+                        <a:rPr lang="de-DE" dirty="0" smtClean="0"/>
+                        <a:t>1</a:t>
+                      </a:r>
+                      <a:endParaRPr lang="de-DE" dirty="0"/>
+                    </a:p>
+                  </a:txBody>
+                  <a:tcPr/>
+                </a:tc>
+                <a:extLst>
+                  <a:ext uri="{0D108BD9-81ED-4DB2-BD59-A6C34878D82A}">
+                    <a16:rowId xmlns:a16="http://schemas.microsoft.com/office/drawing/2014/main" val="471786931"/>
+                  </a:ext>
+                </a:extLst>
+              </a:tr>
+            </a:tbl>
+          </a:graphicData>
+        </a:graphic>
+      </p:graphicFrame>
     </p:spTree>
     <p:extLst>
       <p:ext uri="{BB962C8B-B14F-4D97-AF65-F5344CB8AC3E}">
@@ -5745,7 +6141,7 @@
         <p:spPr>
           <a:xfrm>
             <a:off x="7637550" y="4032688"/>
-            <a:ext cx="4408447" cy="1200329"/>
+            <a:ext cx="4408447" cy="923330"/>
           </a:xfrm>
           <a:prstGeom prst="rect">
             <a:avLst/>
@@ -5760,7 +6156,7 @@
           <a:p>
             <a:r>
               <a:rPr lang="de-DE" dirty="0" smtClean="0"/>
-              <a:t>Die </a:t>
+              <a:t>Auf dem Weg zurück wird die Routing Tabelle aktualisiert.! Dies kann und wird dann auch in der </a:t>
             </a:r>
             <a:r>
               <a:rPr lang="de-DE" dirty="0" err="1" smtClean="0"/>
@@ -5768,23 +6164,15 @@
             </a:r>
             <a:r>
               <a:rPr lang="de-DE" dirty="0" smtClean="0"/>
-              <a:t> soll zur </a:t>
-            </a:r>
-            <a:r>
-              <a:rPr lang="de-DE" dirty="0"/>
-              <a:t>E</a:t>
-            </a:r>
-            <a:r>
-              <a:rPr lang="de-DE" dirty="0" smtClean="0"/>
-              <a:t>rgänzung dienen und nur beim Senden abgefragt werden. Wenn der Empfänger nicht in der Liste ist wird auf der </a:t>
+              <a:t>/</a:t>
             </a:r>
             <a:r>
               <a:rPr lang="de-DE" dirty="0" err="1" smtClean="0"/>
-              <a:t>BroadcastAdresse</a:t>
-            </a:r>
-            <a:r>
-              <a:rPr lang="de-DE" dirty="0" smtClean="0"/>
-              <a:t> gesendet </a:t>
+              <a:t>RoutingTab</a:t>
+            </a:r>
+            <a:r>
+              <a:rPr lang="de-DE" dirty="0" smtClean="0"/>
+              <a:t> aktualisiert.</a:t>
             </a:r>
             <a:endParaRPr lang="de-DE" dirty="0"/>
           </a:p>
@@ -5816,7 +6204,6 @@
               <a:rPr lang="de-DE" dirty="0"/>
               <a:t>F möchte an A das ACK senden</a:t>
             </a:r>
-            <a:endParaRPr lang="de-DE" dirty="0"/>
           </a:p>
         </p:txBody>
       </p:sp>
@@ -5863,6 +6250,258 @@
           </a:p>
         </p:txBody>
       </p:sp>
+      <p:sp>
+        <p:nvSpPr>
+          <p:cNvPr id="8" name="Textfeld 7"/>
+          <p:cNvSpPr txBox="1"/>
+          <p:nvPr/>
+        </p:nvSpPr>
+        <p:spPr>
+          <a:xfrm>
+            <a:off x="6661265" y="5455920"/>
+            <a:ext cx="4098175" cy="923330"/>
+          </a:xfrm>
+          <a:prstGeom prst="rect">
+            <a:avLst/>
+          </a:prstGeom>
+          <a:noFill/>
+        </p:spPr>
+        <p:txBody>
+          <a:bodyPr wrap="square" rtlCol="0">
+            <a:spAutoFit/>
+          </a:bodyPr>
+          <a:lstStyle/>
+          <a:p>
+            <a:r>
+              <a:rPr lang="de-DE" dirty="0" smtClean="0"/>
+              <a:t>Die </a:t>
+            </a:r>
+            <a:r>
+              <a:rPr lang="de-DE" dirty="0" err="1" smtClean="0"/>
+              <a:t>NeighboorList</a:t>
+            </a:r>
+            <a:r>
+              <a:rPr lang="de-DE" dirty="0" smtClean="0"/>
+              <a:t> soll zur </a:t>
+            </a:r>
+            <a:r>
+              <a:rPr lang="de-DE" dirty="0" err="1" smtClean="0"/>
+              <a:t>vereinfachung</a:t>
+            </a:r>
+            <a:r>
+              <a:rPr lang="de-DE" dirty="0" smtClean="0"/>
+              <a:t> dienen ist aber eigentlich die Routing </a:t>
+            </a:r>
+            <a:r>
+              <a:rPr lang="de-DE" dirty="0" smtClean="0"/>
+              <a:t>T</a:t>
+            </a:r>
+            <a:r>
+              <a:rPr lang="de-DE" dirty="0" smtClean="0"/>
+              <a:t>abelle</a:t>
+            </a:r>
+            <a:endParaRPr lang="de-DE" dirty="0"/>
+          </a:p>
+        </p:txBody>
+      </p:sp>
+      <p:graphicFrame>
+        <p:nvGraphicFramePr>
+          <p:cNvPr id="12" name="Tabelle 11"/>
+          <p:cNvGraphicFramePr>
+            <a:graphicFrameLocks noGrp="1"/>
+          </p:cNvGraphicFramePr>
+          <p:nvPr>
+            <p:extLst>
+              <p:ext uri="{D42A27DB-BD31-4B8C-83A1-F6EECF244321}">
+                <p14:modId xmlns:p14="http://schemas.microsoft.com/office/powerpoint/2010/main" val="813206768"/>
+              </p:ext>
+            </p:extLst>
+          </p:nvPr>
+        </p:nvGraphicFramePr>
+        <p:xfrm>
+          <a:off x="589673" y="5543729"/>
+          <a:ext cx="5827752" cy="1097280"/>
+        </p:xfrm>
+        <a:graphic>
+          <a:graphicData uri="http://schemas.openxmlformats.org/drawingml/2006/table">
+            <a:tbl>
+              <a:tblPr firstRow="1" bandRow="1">
+                <a:tableStyleId>{5C22544A-7EE6-4342-B048-85BDC9FD1C3A}</a:tableStyleId>
+              </a:tblPr>
+              <a:tblGrid>
+                <a:gridCol w="1942584">
+                  <a:extLst>
+                    <a:ext uri="{9D8B030D-6E8A-4147-A177-3AD203B41FA5}">
+                      <a16:colId xmlns:a16="http://schemas.microsoft.com/office/drawing/2014/main" val="1181446937"/>
+                    </a:ext>
+                  </a:extLst>
+                </a:gridCol>
+                <a:gridCol w="1942584">
+                  <a:extLst>
+                    <a:ext uri="{9D8B030D-6E8A-4147-A177-3AD203B41FA5}">
+                      <a16:colId xmlns:a16="http://schemas.microsoft.com/office/drawing/2014/main" val="86100810"/>
+                    </a:ext>
+                  </a:extLst>
+                </a:gridCol>
+                <a:gridCol w="1942584">
+                  <a:extLst>
+                    <a:ext uri="{9D8B030D-6E8A-4147-A177-3AD203B41FA5}">
+                      <a16:colId xmlns:a16="http://schemas.microsoft.com/office/drawing/2014/main" val="3962326763"/>
+                    </a:ext>
+                  </a:extLst>
+                </a:gridCol>
+              </a:tblGrid>
+              <a:tr h="272884">
+                <a:tc>
+                  <a:txBody>
+                    <a:bodyPr/>
+                    <a:lstStyle/>
+                    <a:p>
+                      <a:r>
+                        <a:rPr lang="de-DE" dirty="0" smtClean="0"/>
+                        <a:t>Ziel</a:t>
+                      </a:r>
+                      <a:endParaRPr lang="de-DE" dirty="0"/>
+                    </a:p>
+                  </a:txBody>
+                  <a:tcPr/>
+                </a:tc>
+                <a:tc>
+                  <a:txBody>
+                    <a:bodyPr/>
+                    <a:lstStyle/>
+                    <a:p>
+                      <a:r>
+                        <a:rPr lang="de-DE" dirty="0" smtClean="0"/>
+                        <a:t>Hop</a:t>
+                      </a:r>
+                      <a:endParaRPr lang="de-DE" dirty="0"/>
+                    </a:p>
+                  </a:txBody>
+                  <a:tcPr/>
+                </a:tc>
+                <a:tc>
+                  <a:txBody>
+                    <a:bodyPr/>
+                    <a:lstStyle/>
+                    <a:p>
+                      <a:r>
+                        <a:rPr lang="de-DE" dirty="0" err="1" smtClean="0"/>
+                        <a:t>Metric</a:t>
+                      </a:r>
+                      <a:endParaRPr lang="de-DE" dirty="0"/>
+                    </a:p>
+                  </a:txBody>
+                  <a:tcPr/>
+                </a:tc>
+                <a:extLst>
+                  <a:ext uri="{0D108BD9-81ED-4DB2-BD59-A6C34878D82A}">
+                    <a16:rowId xmlns:a16="http://schemas.microsoft.com/office/drawing/2014/main" val="565498072"/>
+                  </a:ext>
+                </a:extLst>
+              </a:tr>
+              <a:tr h="272884">
+                <a:tc>
+                  <a:txBody>
+                    <a:bodyPr/>
+                    <a:lstStyle/>
+                    <a:p>
+                      <a:r>
+                        <a:rPr lang="de-DE" dirty="0" smtClean="0"/>
+                        <a:t>2000</a:t>
+                      </a:r>
+                      <a:endParaRPr lang="de-DE" dirty="0"/>
+                    </a:p>
+                  </a:txBody>
+                  <a:tcPr/>
+                </a:tc>
+                <a:tc>
+                  <a:txBody>
+                    <a:bodyPr/>
+                    <a:lstStyle/>
+                    <a:p>
+                      <a:r>
+                        <a:rPr lang="de-DE" dirty="0" smtClean="0"/>
+                        <a:t>2000</a:t>
+                      </a:r>
+                      <a:endParaRPr lang="de-DE" dirty="0"/>
+                    </a:p>
+                  </a:txBody>
+                  <a:tcPr/>
+                </a:tc>
+                <a:tc>
+                  <a:txBody>
+                    <a:bodyPr/>
+                    <a:lstStyle/>
+                    <a:p>
+                      <a:r>
+                        <a:rPr lang="de-DE" dirty="0" smtClean="0"/>
+                        <a:t>1</a:t>
+                      </a:r>
+                      <a:endParaRPr lang="de-DE" dirty="0"/>
+                    </a:p>
+                  </a:txBody>
+                  <a:tcPr/>
+                </a:tc>
+                <a:extLst>
+                  <a:ext uri="{0D108BD9-81ED-4DB2-BD59-A6C34878D82A}">
+                    <a16:rowId xmlns:a16="http://schemas.microsoft.com/office/drawing/2014/main" val="1742315632"/>
+                  </a:ext>
+                </a:extLst>
+              </a:tr>
+              <a:tr h="272884">
+                <a:tc>
+                  <a:txBody>
+                    <a:bodyPr/>
+                    <a:lstStyle/>
+                    <a:p>
+                      <a:r>
+                        <a:rPr lang="de-DE" dirty="0" smtClean="0"/>
+                        <a:t>3000</a:t>
+                      </a:r>
+                      <a:endParaRPr lang="de-DE" dirty="0"/>
+                    </a:p>
+                  </a:txBody>
+                  <a:tcPr/>
+                </a:tc>
+                <a:tc>
+                  <a:txBody>
+                    <a:bodyPr/>
+                    <a:lstStyle/>
+                    <a:p>
+                      <a:r>
+                        <a:rPr lang="de-DE" dirty="0" smtClean="0"/>
+                        <a:t>3000</a:t>
+                      </a:r>
+                      <a:endParaRPr lang="de-DE" dirty="0"/>
+                    </a:p>
+                  </a:txBody>
+                  <a:tcPr/>
+                </a:tc>
+                <a:tc>
+                  <a:txBody>
+                    <a:bodyPr/>
+                    <a:lstStyle/>
+                    <a:p>
+                      <a:r>
+                        <a:rPr lang="de-DE" dirty="0" smtClean="0"/>
+                        <a:t>1</a:t>
+                      </a:r>
+                      <a:endParaRPr lang="de-DE" dirty="0"/>
+                    </a:p>
+                  </a:txBody>
+                  <a:tcPr/>
+                </a:tc>
+                <a:extLst>
+                  <a:ext uri="{0D108BD9-81ED-4DB2-BD59-A6C34878D82A}">
+                    <a16:rowId xmlns:a16="http://schemas.microsoft.com/office/drawing/2014/main" val="471786931"/>
+                  </a:ext>
+                </a:extLst>
+              </a:tr>
+            </a:tbl>
+          </a:graphicData>
+        </a:graphic>
+      </p:graphicFrame>
     </p:spTree>
     <p:extLst>
       <p:ext uri="{BB962C8B-B14F-4D97-AF65-F5344CB8AC3E}">
@@ -6938,60 +7577,6 @@
       </p:graphicFrame>
       <p:sp>
         <p:nvSpPr>
-          <p:cNvPr id="11" name="Textfeld 10"/>
-          <p:cNvSpPr txBox="1"/>
-          <p:nvPr/>
-        </p:nvSpPr>
-        <p:spPr>
-          <a:xfrm>
-            <a:off x="7637550" y="4032688"/>
-            <a:ext cx="4408447" cy="1200329"/>
-          </a:xfrm>
-          <a:prstGeom prst="rect">
-            <a:avLst/>
-          </a:prstGeom>
-          <a:noFill/>
-        </p:spPr>
-        <p:txBody>
-          <a:bodyPr wrap="square" rtlCol="0">
-            <a:spAutoFit/>
-          </a:bodyPr>
-          <a:lstStyle/>
-          <a:p>
-            <a:r>
-              <a:rPr lang="de-DE" dirty="0" smtClean="0"/>
-              <a:t>Die </a:t>
-            </a:r>
-            <a:r>
-              <a:rPr lang="de-DE" dirty="0" err="1" smtClean="0"/>
-              <a:t>NeighboorList</a:t>
-            </a:r>
-            <a:r>
-              <a:rPr lang="de-DE" dirty="0" smtClean="0"/>
-              <a:t> soll zur </a:t>
-            </a:r>
-            <a:r>
-              <a:rPr lang="de-DE" dirty="0"/>
-              <a:t>E</a:t>
-            </a:r>
-            <a:r>
-              <a:rPr lang="de-DE" dirty="0" smtClean="0"/>
-              <a:t>rgänzung dienen und nur beim Senden abgefragt werden. Wenn der Empfänger nicht in der Liste ist wird auf der </a:t>
-            </a:r>
-            <a:r>
-              <a:rPr lang="de-DE" dirty="0" err="1" smtClean="0"/>
-              <a:t>BroadcastAdresse</a:t>
-            </a:r>
-            <a:r>
-              <a:rPr lang="de-DE" dirty="0" smtClean="0"/>
-              <a:t> gesendet </a:t>
-            </a:r>
-            <a:endParaRPr lang="de-DE" dirty="0"/>
-          </a:p>
-        </p:txBody>
-      </p:sp>
-      <p:sp>
-        <p:nvSpPr>
           <p:cNvPr id="15" name="Textfeld 14"/>
           <p:cNvSpPr txBox="1"/>
           <p:nvPr/>
@@ -7067,6 +7652,304 @@
           </a:p>
         </p:txBody>
       </p:sp>
+      <p:sp>
+        <p:nvSpPr>
+          <p:cNvPr id="16" name="Textfeld 15"/>
+          <p:cNvSpPr txBox="1"/>
+          <p:nvPr/>
+        </p:nvSpPr>
+        <p:spPr>
+          <a:xfrm>
+            <a:off x="7637550" y="4032688"/>
+            <a:ext cx="4408447" cy="923330"/>
+          </a:xfrm>
+          <a:prstGeom prst="rect">
+            <a:avLst/>
+          </a:prstGeom>
+          <a:noFill/>
+        </p:spPr>
+        <p:txBody>
+          <a:bodyPr wrap="square" rtlCol="0">
+            <a:spAutoFit/>
+          </a:bodyPr>
+          <a:lstStyle/>
+          <a:p>
+            <a:r>
+              <a:rPr lang="de-DE" dirty="0" smtClean="0"/>
+              <a:t>Auf dem Weg zurück wird die Routing Tabelle aktualisiert.! Dies kann und wird dann auch in der </a:t>
+            </a:r>
+            <a:r>
+              <a:rPr lang="de-DE" dirty="0" err="1" smtClean="0"/>
+              <a:t>NeighboorList</a:t>
+            </a:r>
+            <a:r>
+              <a:rPr lang="de-DE" dirty="0" smtClean="0"/>
+              <a:t>/</a:t>
+            </a:r>
+            <a:r>
+              <a:rPr lang="de-DE" dirty="0" err="1" smtClean="0"/>
+              <a:t>RoutingTab</a:t>
+            </a:r>
+            <a:r>
+              <a:rPr lang="de-DE" dirty="0" smtClean="0"/>
+              <a:t> aktualisiert.</a:t>
+            </a:r>
+            <a:endParaRPr lang="de-DE" dirty="0"/>
+          </a:p>
+        </p:txBody>
+      </p:sp>
+      <p:sp>
+        <p:nvSpPr>
+          <p:cNvPr id="17" name="Textfeld 16"/>
+          <p:cNvSpPr txBox="1"/>
+          <p:nvPr/>
+        </p:nvSpPr>
+        <p:spPr>
+          <a:xfrm>
+            <a:off x="6661265" y="5455920"/>
+            <a:ext cx="4098175" cy="923330"/>
+          </a:xfrm>
+          <a:prstGeom prst="rect">
+            <a:avLst/>
+          </a:prstGeom>
+          <a:noFill/>
+        </p:spPr>
+        <p:txBody>
+          <a:bodyPr wrap="square" rtlCol="0">
+            <a:spAutoFit/>
+          </a:bodyPr>
+          <a:lstStyle/>
+          <a:p>
+            <a:r>
+              <a:rPr lang="de-DE" dirty="0" smtClean="0"/>
+              <a:t>Die </a:t>
+            </a:r>
+            <a:r>
+              <a:rPr lang="de-DE" dirty="0" err="1" smtClean="0"/>
+              <a:t>NeighboorList</a:t>
+            </a:r>
+            <a:r>
+              <a:rPr lang="de-DE" dirty="0" smtClean="0"/>
+              <a:t> soll zur </a:t>
+            </a:r>
+            <a:r>
+              <a:rPr lang="de-DE" dirty="0" err="1" smtClean="0"/>
+              <a:t>vereinfachung</a:t>
+            </a:r>
+            <a:r>
+              <a:rPr lang="de-DE" dirty="0" smtClean="0"/>
+              <a:t> dienen ist aber eigentlich die Routing </a:t>
+            </a:r>
+            <a:r>
+              <a:rPr lang="de-DE" dirty="0" smtClean="0"/>
+              <a:t>T</a:t>
+            </a:r>
+            <a:r>
+              <a:rPr lang="de-DE" dirty="0" smtClean="0"/>
+              <a:t>abelle</a:t>
+            </a:r>
+            <a:endParaRPr lang="de-DE" dirty="0"/>
+          </a:p>
+        </p:txBody>
+      </p:sp>
+      <p:graphicFrame>
+        <p:nvGraphicFramePr>
+          <p:cNvPr id="18" name="Tabelle 17"/>
+          <p:cNvGraphicFramePr>
+            <a:graphicFrameLocks noGrp="1"/>
+          </p:cNvGraphicFramePr>
+          <p:nvPr>
+            <p:extLst>
+              <p:ext uri="{D42A27DB-BD31-4B8C-83A1-F6EECF244321}">
+                <p14:modId xmlns:p14="http://schemas.microsoft.com/office/powerpoint/2010/main" val="1294166338"/>
+              </p:ext>
+            </p:extLst>
+          </p:nvPr>
+        </p:nvGraphicFramePr>
+        <p:xfrm>
+          <a:off x="589673" y="5543729"/>
+          <a:ext cx="5827752" cy="1097280"/>
+        </p:xfrm>
+        <a:graphic>
+          <a:graphicData uri="http://schemas.openxmlformats.org/drawingml/2006/table">
+            <a:tbl>
+              <a:tblPr firstRow="1" bandRow="1">
+                <a:tableStyleId>{5C22544A-7EE6-4342-B048-85BDC9FD1C3A}</a:tableStyleId>
+              </a:tblPr>
+              <a:tblGrid>
+                <a:gridCol w="1942584">
+                  <a:extLst>
+                    <a:ext uri="{9D8B030D-6E8A-4147-A177-3AD203B41FA5}">
+                      <a16:colId xmlns:a16="http://schemas.microsoft.com/office/drawing/2014/main" val="1181446937"/>
+                    </a:ext>
+                  </a:extLst>
+                </a:gridCol>
+                <a:gridCol w="1942584">
+                  <a:extLst>
+                    <a:ext uri="{9D8B030D-6E8A-4147-A177-3AD203B41FA5}">
+                      <a16:colId xmlns:a16="http://schemas.microsoft.com/office/drawing/2014/main" val="86100810"/>
+                    </a:ext>
+                  </a:extLst>
+                </a:gridCol>
+                <a:gridCol w="1942584">
+                  <a:extLst>
+                    <a:ext uri="{9D8B030D-6E8A-4147-A177-3AD203B41FA5}">
+                      <a16:colId xmlns:a16="http://schemas.microsoft.com/office/drawing/2014/main" val="3962326763"/>
+                    </a:ext>
+                  </a:extLst>
+                </a:gridCol>
+              </a:tblGrid>
+              <a:tr h="272884">
+                <a:tc>
+                  <a:txBody>
+                    <a:bodyPr/>
+                    <a:lstStyle/>
+                    <a:p>
+                      <a:r>
+                        <a:rPr lang="de-DE" dirty="0" smtClean="0"/>
+                        <a:t>Ziel</a:t>
+                      </a:r>
+                      <a:endParaRPr lang="de-DE" dirty="0"/>
+                    </a:p>
+                  </a:txBody>
+                  <a:tcPr/>
+                </a:tc>
+                <a:tc>
+                  <a:txBody>
+                    <a:bodyPr/>
+                    <a:lstStyle/>
+                    <a:p>
+                      <a:r>
+                        <a:rPr lang="de-DE" dirty="0" smtClean="0"/>
+                        <a:t>Hop</a:t>
+                      </a:r>
+                      <a:endParaRPr lang="de-DE" dirty="0"/>
+                    </a:p>
+                  </a:txBody>
+                  <a:tcPr/>
+                </a:tc>
+                <a:tc>
+                  <a:txBody>
+                    <a:bodyPr/>
+                    <a:lstStyle/>
+                    <a:p>
+                      <a:r>
+                        <a:rPr lang="de-DE" dirty="0" err="1" smtClean="0"/>
+                        <a:t>Metric</a:t>
+                      </a:r>
+                      <a:endParaRPr lang="de-DE" dirty="0"/>
+                    </a:p>
+                  </a:txBody>
+                  <a:tcPr/>
+                </a:tc>
+                <a:extLst>
+                  <a:ext uri="{0D108BD9-81ED-4DB2-BD59-A6C34878D82A}">
+                    <a16:rowId xmlns:a16="http://schemas.microsoft.com/office/drawing/2014/main" val="565498072"/>
+                  </a:ext>
+                </a:extLst>
+              </a:tr>
+              <a:tr h="272884">
+                <a:tc>
+                  <a:txBody>
+                    <a:bodyPr/>
+                    <a:lstStyle/>
+                    <a:p>
+                      <a:r>
+                        <a:rPr lang="de-DE" dirty="0" smtClean="0"/>
+                        <a:t>2000</a:t>
+                      </a:r>
+                      <a:endParaRPr lang="de-DE" dirty="0"/>
+                    </a:p>
+                  </a:txBody>
+                  <a:tcPr/>
+                </a:tc>
+                <a:tc>
+                  <a:txBody>
+                    <a:bodyPr/>
+                    <a:lstStyle/>
+                    <a:p>
+                      <a:r>
+                        <a:rPr lang="de-DE" dirty="0" smtClean="0"/>
+                        <a:t>2000</a:t>
+                      </a:r>
+                      <a:endParaRPr lang="de-DE" dirty="0"/>
+                    </a:p>
+                  </a:txBody>
+                  <a:tcPr/>
+                </a:tc>
+                <a:tc>
+                  <a:txBody>
+                    <a:bodyPr/>
+                    <a:lstStyle/>
+                    <a:p>
+                      <a:r>
+                        <a:rPr lang="de-DE" dirty="0" smtClean="0"/>
+                        <a:t>1</a:t>
+                      </a:r>
+                      <a:endParaRPr lang="de-DE" dirty="0"/>
+                    </a:p>
+                  </a:txBody>
+                  <a:tcPr/>
+                </a:tc>
+                <a:extLst>
+                  <a:ext uri="{0D108BD9-81ED-4DB2-BD59-A6C34878D82A}">
+                    <a16:rowId xmlns:a16="http://schemas.microsoft.com/office/drawing/2014/main" val="1742315632"/>
+                  </a:ext>
+                </a:extLst>
+              </a:tr>
+              <a:tr h="272884">
+                <a:tc>
+                  <a:txBody>
+                    <a:bodyPr/>
+                    <a:lstStyle/>
+                    <a:p>
+                      <a:r>
+                        <a:rPr lang="de-DE" dirty="0" smtClean="0"/>
+                        <a:t>3000</a:t>
+                      </a:r>
+                      <a:endParaRPr lang="de-DE" dirty="0"/>
+                    </a:p>
+                  </a:txBody>
+                  <a:tcPr/>
+                </a:tc>
+                <a:tc>
+                  <a:txBody>
+                    <a:bodyPr/>
+                    <a:lstStyle/>
+                    <a:p>
+                      <a:r>
+                        <a:rPr lang="de-DE" dirty="0" smtClean="0"/>
+                        <a:t>3000</a:t>
+                      </a:r>
+                      <a:endParaRPr lang="de-DE" dirty="0"/>
+                    </a:p>
+                  </a:txBody>
+                  <a:tcPr/>
+                </a:tc>
+                <a:tc>
+                  <a:txBody>
+                    <a:bodyPr/>
+                    <a:lstStyle/>
+                    <a:p>
+                      <a:r>
+                        <a:rPr lang="de-DE" dirty="0" smtClean="0"/>
+                        <a:t>1</a:t>
+                      </a:r>
+                      <a:endParaRPr lang="de-DE" dirty="0"/>
+                    </a:p>
+                  </a:txBody>
+                  <a:tcPr/>
+                </a:tc>
+                <a:extLst>
+                  <a:ext uri="{0D108BD9-81ED-4DB2-BD59-A6C34878D82A}">
+                    <a16:rowId xmlns:a16="http://schemas.microsoft.com/office/drawing/2014/main" val="471786931"/>
+                  </a:ext>
+                </a:extLst>
+              </a:tr>
+            </a:tbl>
+          </a:graphicData>
+        </a:graphic>
+      </p:graphicFrame>
     </p:spTree>
     <p:extLst>
       <p:ext uri="{BB962C8B-B14F-4D97-AF65-F5344CB8AC3E}">
@@ -7511,7 +8394,6 @@
               <a:rPr lang="de-DE" dirty="0"/>
               <a:t>1</a:t>
             </a:r>
-            <a:endParaRPr lang="de-DE" dirty="0"/>
           </a:p>
         </p:txBody>
       </p:sp>
@@ -7902,7 +8784,6 @@
               <a:rPr lang="de-DE" dirty="0"/>
               <a:t>F möchte ACK an A senden</a:t>
             </a:r>
-            <a:endParaRPr lang="de-DE" dirty="0"/>
           </a:p>
         </p:txBody>
       </p:sp>
@@ -8150,60 +9031,6 @@
       </p:graphicFrame>
       <p:sp>
         <p:nvSpPr>
-          <p:cNvPr id="11" name="Textfeld 10"/>
-          <p:cNvSpPr txBox="1"/>
-          <p:nvPr/>
-        </p:nvSpPr>
-        <p:spPr>
-          <a:xfrm>
-            <a:off x="7637550" y="4032688"/>
-            <a:ext cx="4408447" cy="1200329"/>
-          </a:xfrm>
-          <a:prstGeom prst="rect">
-            <a:avLst/>
-          </a:prstGeom>
-          <a:noFill/>
-        </p:spPr>
-        <p:txBody>
-          <a:bodyPr wrap="square" rtlCol="0">
-            <a:spAutoFit/>
-          </a:bodyPr>
-          <a:lstStyle/>
-          <a:p>
-            <a:r>
-              <a:rPr lang="de-DE" dirty="0" smtClean="0"/>
-              <a:t>Die </a:t>
-            </a:r>
-            <a:r>
-              <a:rPr lang="de-DE" dirty="0" err="1" smtClean="0"/>
-              <a:t>NeighboorList</a:t>
-            </a:r>
-            <a:r>
-              <a:rPr lang="de-DE" dirty="0" smtClean="0"/>
-              <a:t> soll zur </a:t>
-            </a:r>
-            <a:r>
-              <a:rPr lang="de-DE" dirty="0"/>
-              <a:t>E</a:t>
-            </a:r>
-            <a:r>
-              <a:rPr lang="de-DE" dirty="0" smtClean="0"/>
-              <a:t>rgänzung dienen und nur beim Senden abgefragt werden. Wenn der Empfänger nicht in der Liste ist wird auf der </a:t>
-            </a:r>
-            <a:r>
-              <a:rPr lang="de-DE" dirty="0" err="1" smtClean="0"/>
-              <a:t>BroadcastAdresse</a:t>
-            </a:r>
-            <a:r>
-              <a:rPr lang="de-DE" dirty="0" smtClean="0"/>
-              <a:t> gesendet </a:t>
-            </a:r>
-            <a:endParaRPr lang="de-DE" dirty="0"/>
-          </a:p>
-        </p:txBody>
-      </p:sp>
-      <p:sp>
-        <p:nvSpPr>
           <p:cNvPr id="15" name="Textfeld 14"/>
           <p:cNvSpPr txBox="1"/>
           <p:nvPr/>
@@ -8318,6 +9145,304 @@
           </a:p>
         </p:txBody>
       </p:sp>
+      <p:sp>
+        <p:nvSpPr>
+          <p:cNvPr id="13" name="Textfeld 12"/>
+          <p:cNvSpPr txBox="1"/>
+          <p:nvPr/>
+        </p:nvSpPr>
+        <p:spPr>
+          <a:xfrm>
+            <a:off x="7637550" y="4032688"/>
+            <a:ext cx="4408447" cy="923330"/>
+          </a:xfrm>
+          <a:prstGeom prst="rect">
+            <a:avLst/>
+          </a:prstGeom>
+          <a:noFill/>
+        </p:spPr>
+        <p:txBody>
+          <a:bodyPr wrap="square" rtlCol="0">
+            <a:spAutoFit/>
+          </a:bodyPr>
+          <a:lstStyle/>
+          <a:p>
+            <a:r>
+              <a:rPr lang="de-DE" dirty="0" smtClean="0"/>
+              <a:t>Auf dem Weg zurück wird die Routing Tabelle aktualisiert.! Dies kann und wird dann auch in der </a:t>
+            </a:r>
+            <a:r>
+              <a:rPr lang="de-DE" dirty="0" err="1" smtClean="0"/>
+              <a:t>NeighboorList</a:t>
+            </a:r>
+            <a:r>
+              <a:rPr lang="de-DE" dirty="0" smtClean="0"/>
+              <a:t>/</a:t>
+            </a:r>
+            <a:r>
+              <a:rPr lang="de-DE" dirty="0" err="1" smtClean="0"/>
+              <a:t>RoutingTab</a:t>
+            </a:r>
+            <a:r>
+              <a:rPr lang="de-DE" dirty="0" smtClean="0"/>
+              <a:t> aktualisiert.</a:t>
+            </a:r>
+            <a:endParaRPr lang="de-DE" dirty="0"/>
+          </a:p>
+        </p:txBody>
+      </p:sp>
+      <p:sp>
+        <p:nvSpPr>
+          <p:cNvPr id="14" name="Textfeld 13"/>
+          <p:cNvSpPr txBox="1"/>
+          <p:nvPr/>
+        </p:nvSpPr>
+        <p:spPr>
+          <a:xfrm>
+            <a:off x="6661265" y="5455920"/>
+            <a:ext cx="4098175" cy="923330"/>
+          </a:xfrm>
+          <a:prstGeom prst="rect">
+            <a:avLst/>
+          </a:prstGeom>
+          <a:noFill/>
+        </p:spPr>
+        <p:txBody>
+          <a:bodyPr wrap="square" rtlCol="0">
+            <a:spAutoFit/>
+          </a:bodyPr>
+          <a:lstStyle/>
+          <a:p>
+            <a:r>
+              <a:rPr lang="de-DE" dirty="0" smtClean="0"/>
+              <a:t>Die </a:t>
+            </a:r>
+            <a:r>
+              <a:rPr lang="de-DE" dirty="0" err="1" smtClean="0"/>
+              <a:t>NeighboorList</a:t>
+            </a:r>
+            <a:r>
+              <a:rPr lang="de-DE" dirty="0" smtClean="0"/>
+              <a:t> soll zur </a:t>
+            </a:r>
+            <a:r>
+              <a:rPr lang="de-DE" dirty="0" err="1" smtClean="0"/>
+              <a:t>vereinfachung</a:t>
+            </a:r>
+            <a:r>
+              <a:rPr lang="de-DE" dirty="0" smtClean="0"/>
+              <a:t> dienen ist aber eigentlich die Routing </a:t>
+            </a:r>
+            <a:r>
+              <a:rPr lang="de-DE" dirty="0" smtClean="0"/>
+              <a:t>T</a:t>
+            </a:r>
+            <a:r>
+              <a:rPr lang="de-DE" dirty="0" smtClean="0"/>
+              <a:t>abelle</a:t>
+            </a:r>
+            <a:endParaRPr lang="de-DE" dirty="0"/>
+          </a:p>
+        </p:txBody>
+      </p:sp>
+      <p:graphicFrame>
+        <p:nvGraphicFramePr>
+          <p:cNvPr id="16" name="Tabelle 15"/>
+          <p:cNvGraphicFramePr>
+            <a:graphicFrameLocks noGrp="1"/>
+          </p:cNvGraphicFramePr>
+          <p:nvPr>
+            <p:extLst>
+              <p:ext uri="{D42A27DB-BD31-4B8C-83A1-F6EECF244321}">
+                <p14:modId xmlns:p14="http://schemas.microsoft.com/office/powerpoint/2010/main" val="1294166338"/>
+              </p:ext>
+            </p:extLst>
+          </p:nvPr>
+        </p:nvGraphicFramePr>
+        <p:xfrm>
+          <a:off x="589673" y="5543729"/>
+          <a:ext cx="5827752" cy="1097280"/>
+        </p:xfrm>
+        <a:graphic>
+          <a:graphicData uri="http://schemas.openxmlformats.org/drawingml/2006/table">
+            <a:tbl>
+              <a:tblPr firstRow="1" bandRow="1">
+                <a:tableStyleId>{5C22544A-7EE6-4342-B048-85BDC9FD1C3A}</a:tableStyleId>
+              </a:tblPr>
+              <a:tblGrid>
+                <a:gridCol w="1942584">
+                  <a:extLst>
+                    <a:ext uri="{9D8B030D-6E8A-4147-A177-3AD203B41FA5}">
+                      <a16:colId xmlns:a16="http://schemas.microsoft.com/office/drawing/2014/main" val="1181446937"/>
+                    </a:ext>
+                  </a:extLst>
+                </a:gridCol>
+                <a:gridCol w="1942584">
+                  <a:extLst>
+                    <a:ext uri="{9D8B030D-6E8A-4147-A177-3AD203B41FA5}">
+                      <a16:colId xmlns:a16="http://schemas.microsoft.com/office/drawing/2014/main" val="86100810"/>
+                    </a:ext>
+                  </a:extLst>
+                </a:gridCol>
+                <a:gridCol w="1942584">
+                  <a:extLst>
+                    <a:ext uri="{9D8B030D-6E8A-4147-A177-3AD203B41FA5}">
+                      <a16:colId xmlns:a16="http://schemas.microsoft.com/office/drawing/2014/main" val="3962326763"/>
+                    </a:ext>
+                  </a:extLst>
+                </a:gridCol>
+              </a:tblGrid>
+              <a:tr h="272884">
+                <a:tc>
+                  <a:txBody>
+                    <a:bodyPr/>
+                    <a:lstStyle/>
+                    <a:p>
+                      <a:r>
+                        <a:rPr lang="de-DE" dirty="0" smtClean="0"/>
+                        <a:t>Ziel</a:t>
+                      </a:r>
+                      <a:endParaRPr lang="de-DE" dirty="0"/>
+                    </a:p>
+                  </a:txBody>
+                  <a:tcPr/>
+                </a:tc>
+                <a:tc>
+                  <a:txBody>
+                    <a:bodyPr/>
+                    <a:lstStyle/>
+                    <a:p>
+                      <a:r>
+                        <a:rPr lang="de-DE" dirty="0" smtClean="0"/>
+                        <a:t>Hop</a:t>
+                      </a:r>
+                      <a:endParaRPr lang="de-DE" dirty="0"/>
+                    </a:p>
+                  </a:txBody>
+                  <a:tcPr/>
+                </a:tc>
+                <a:tc>
+                  <a:txBody>
+                    <a:bodyPr/>
+                    <a:lstStyle/>
+                    <a:p>
+                      <a:r>
+                        <a:rPr lang="de-DE" dirty="0" err="1" smtClean="0"/>
+                        <a:t>Metric</a:t>
+                      </a:r>
+                      <a:endParaRPr lang="de-DE" dirty="0"/>
+                    </a:p>
+                  </a:txBody>
+                  <a:tcPr/>
+                </a:tc>
+                <a:extLst>
+                  <a:ext uri="{0D108BD9-81ED-4DB2-BD59-A6C34878D82A}">
+                    <a16:rowId xmlns:a16="http://schemas.microsoft.com/office/drawing/2014/main" val="565498072"/>
+                  </a:ext>
+                </a:extLst>
+              </a:tr>
+              <a:tr h="272884">
+                <a:tc>
+                  <a:txBody>
+                    <a:bodyPr/>
+                    <a:lstStyle/>
+                    <a:p>
+                      <a:r>
+                        <a:rPr lang="de-DE" dirty="0" smtClean="0"/>
+                        <a:t>2000</a:t>
+                      </a:r>
+                      <a:endParaRPr lang="de-DE" dirty="0"/>
+                    </a:p>
+                  </a:txBody>
+                  <a:tcPr/>
+                </a:tc>
+                <a:tc>
+                  <a:txBody>
+                    <a:bodyPr/>
+                    <a:lstStyle/>
+                    <a:p>
+                      <a:r>
+                        <a:rPr lang="de-DE" dirty="0" smtClean="0"/>
+                        <a:t>2000</a:t>
+                      </a:r>
+                      <a:endParaRPr lang="de-DE" dirty="0"/>
+                    </a:p>
+                  </a:txBody>
+                  <a:tcPr/>
+                </a:tc>
+                <a:tc>
+                  <a:txBody>
+                    <a:bodyPr/>
+                    <a:lstStyle/>
+                    <a:p>
+                      <a:r>
+                        <a:rPr lang="de-DE" dirty="0" smtClean="0"/>
+                        <a:t>1</a:t>
+                      </a:r>
+                      <a:endParaRPr lang="de-DE" dirty="0"/>
+                    </a:p>
+                  </a:txBody>
+                  <a:tcPr/>
+                </a:tc>
+                <a:extLst>
+                  <a:ext uri="{0D108BD9-81ED-4DB2-BD59-A6C34878D82A}">
+                    <a16:rowId xmlns:a16="http://schemas.microsoft.com/office/drawing/2014/main" val="1742315632"/>
+                  </a:ext>
+                </a:extLst>
+              </a:tr>
+              <a:tr h="272884">
+                <a:tc>
+                  <a:txBody>
+                    <a:bodyPr/>
+                    <a:lstStyle/>
+                    <a:p>
+                      <a:r>
+                        <a:rPr lang="de-DE" dirty="0" smtClean="0"/>
+                        <a:t>3000</a:t>
+                      </a:r>
+                      <a:endParaRPr lang="de-DE" dirty="0"/>
+                    </a:p>
+                  </a:txBody>
+                  <a:tcPr/>
+                </a:tc>
+                <a:tc>
+                  <a:txBody>
+                    <a:bodyPr/>
+                    <a:lstStyle/>
+                    <a:p>
+                      <a:r>
+                        <a:rPr lang="de-DE" dirty="0" smtClean="0"/>
+                        <a:t>3000</a:t>
+                      </a:r>
+                      <a:endParaRPr lang="de-DE" dirty="0"/>
+                    </a:p>
+                  </a:txBody>
+                  <a:tcPr/>
+                </a:tc>
+                <a:tc>
+                  <a:txBody>
+                    <a:bodyPr/>
+                    <a:lstStyle/>
+                    <a:p>
+                      <a:r>
+                        <a:rPr lang="de-DE" dirty="0" smtClean="0"/>
+                        <a:t>1</a:t>
+                      </a:r>
+                      <a:endParaRPr lang="de-DE" dirty="0"/>
+                    </a:p>
+                  </a:txBody>
+                  <a:tcPr/>
+                </a:tc>
+                <a:extLst>
+                  <a:ext uri="{0D108BD9-81ED-4DB2-BD59-A6C34878D82A}">
+                    <a16:rowId xmlns:a16="http://schemas.microsoft.com/office/drawing/2014/main" val="471786931"/>
+                  </a:ext>
+                </a:extLst>
+              </a:tr>
+            </a:tbl>
+          </a:graphicData>
+        </a:graphic>
+      </p:graphicFrame>
     </p:spTree>
     <p:extLst>
       <p:ext uri="{BB962C8B-B14F-4D97-AF65-F5344CB8AC3E}">
@@ -9153,7 +10278,6 @@
               <a:rPr lang="de-DE" dirty="0"/>
               <a:t>F möchte ACK an A senden</a:t>
             </a:r>
-            <a:endParaRPr lang="de-DE" dirty="0"/>
           </a:p>
         </p:txBody>
       </p:sp>
@@ -9189,7 +10313,31 @@
                   </a:outerShdw>
                 </a:effectLst>
               </a:rPr>
-              <a:t>Header von D generiert</a:t>
+              <a:t>Header von </a:t>
+            </a:r>
+            <a:r>
+              <a:rPr lang="de-DE" b="1" i="1" u="sng" dirty="0" smtClean="0">
+                <a:effectLst>
+                  <a:outerShdw blurRad="38100" dist="38100" dir="2700000" algn="tl">
+                    <a:srgbClr val="000000">
+                      <a:alpha val="43137"/>
+                    </a:srgbClr>
+                  </a:outerShdw>
+                </a:effectLst>
+              </a:rPr>
+              <a:t>B,C </a:t>
+            </a:r>
+            <a:r>
+              <a:rPr lang="de-DE" b="1" i="1" u="sng" dirty="0" smtClean="0">
+                <a:effectLst>
+                  <a:outerShdw blurRad="38100" dist="38100" dir="2700000" algn="tl">
+                    <a:srgbClr val="000000">
+                      <a:alpha val="43137"/>
+                    </a:srgbClr>
+                  </a:outerShdw>
+                </a:effectLst>
+              </a:rPr>
+              <a:t>generiert</a:t>
             </a:r>
             <a:endParaRPr lang="de-DE" b="1" i="1" u="sng" dirty="0">
               <a:effectLst>
@@ -9414,7 +10562,7 @@
         <p:spPr>
           <a:xfrm>
             <a:off x="6661265" y="5455920"/>
-            <a:ext cx="4098175" cy="923330"/>
+            <a:ext cx="4098175" cy="1200329"/>
           </a:xfrm>
           <a:prstGeom prst="rect">
             <a:avLst/>
@@ -9440,12 +10588,24 @@
               <a:t> soll zur </a:t>
             </a:r>
             <a:r>
-              <a:rPr lang="de-DE" dirty="0"/>
-              <a:t>E</a:t>
-            </a:r>
-            <a:r>
-              <a:rPr lang="de-DE" dirty="0" smtClean="0"/>
-              <a:t>rgänzung dienen und nur beim Senden abgefragt werden </a:t>
+              <a:rPr lang="de-DE" dirty="0" err="1" smtClean="0"/>
+              <a:t>vereinfachung</a:t>
+            </a:r>
+            <a:r>
+              <a:rPr lang="de-DE" dirty="0" smtClean="0"/>
+              <a:t> dienen ist aber eigentlich die Routing </a:t>
+            </a:r>
+            <a:r>
+              <a:rPr lang="de-DE" dirty="0" err="1" smtClean="0"/>
+              <a:t>tabelleErgänzung</a:t>
+            </a:r>
+            <a:r>
+              <a:rPr lang="de-DE" dirty="0" smtClean="0"/>
+              <a:t> </a:t>
+            </a:r>
+            <a:r>
+              <a:rPr lang="de-DE" dirty="0" smtClean="0"/>
+              <a:t>dienen und nur beim Senden abgefragt werden </a:t>
             </a:r>
             <a:endParaRPr lang="de-DE" dirty="0"/>
           </a:p>
@@ -9831,6 +10991,204 @@
           </a:p>
         </p:txBody>
       </p:sp>
+      <p:graphicFrame>
+        <p:nvGraphicFramePr>
+          <p:cNvPr id="3" name="Tabelle 2"/>
+          <p:cNvGraphicFramePr>
+            <a:graphicFrameLocks noGrp="1"/>
+          </p:cNvGraphicFramePr>
+          <p:nvPr>
+            <p:extLst>
+              <p:ext uri="{D42A27DB-BD31-4B8C-83A1-F6EECF244321}">
+                <p14:modId xmlns:p14="http://schemas.microsoft.com/office/powerpoint/2010/main" val="2220396573"/>
+              </p:ext>
+            </p:extLst>
+          </p:nvPr>
+        </p:nvGraphicFramePr>
+        <p:xfrm>
+          <a:off x="589673" y="5543729"/>
+          <a:ext cx="5827752" cy="1097280"/>
+        </p:xfrm>
+        <a:graphic>
+          <a:graphicData uri="http://schemas.openxmlformats.org/drawingml/2006/table">
+            <a:tbl>
+              <a:tblPr firstRow="1" bandRow="1">
+                <a:tableStyleId>{5C22544A-7EE6-4342-B048-85BDC9FD1C3A}</a:tableStyleId>
+              </a:tblPr>
+              <a:tblGrid>
+                <a:gridCol w="1942584">
+                  <a:extLst>
+                    <a:ext uri="{9D8B030D-6E8A-4147-A177-3AD203B41FA5}">
+                      <a16:colId xmlns:a16="http://schemas.microsoft.com/office/drawing/2014/main" val="1181446937"/>
+                    </a:ext>
+                  </a:extLst>
+                </a:gridCol>
+                <a:gridCol w="1942584">
+                  <a:extLst>
+                    <a:ext uri="{9D8B030D-6E8A-4147-A177-3AD203B41FA5}">
+                      <a16:colId xmlns:a16="http://schemas.microsoft.com/office/drawing/2014/main" val="86100810"/>
+                    </a:ext>
+                  </a:extLst>
+                </a:gridCol>
+                <a:gridCol w="1942584">
+                  <a:extLst>
+                    <a:ext uri="{9D8B030D-6E8A-4147-A177-3AD203B41FA5}">
+                      <a16:colId xmlns:a16="http://schemas.microsoft.com/office/drawing/2014/main" val="3962326763"/>
+                    </a:ext>
+                  </a:extLst>
+                </a:gridCol>
+              </a:tblGrid>
+              <a:tr h="272884">
+                <a:tc>
+                  <a:txBody>
+                    <a:bodyPr/>
+                    <a:lstStyle/>
+                    <a:p>
+                      <a:r>
+                        <a:rPr lang="de-DE" dirty="0" smtClean="0"/>
+                        <a:t>Ziel</a:t>
+                      </a:r>
+                      <a:endParaRPr lang="de-DE" dirty="0"/>
+                    </a:p>
+                  </a:txBody>
+                  <a:tcPr/>
+                </a:tc>
+                <a:tc>
+                  <a:txBody>
+                    <a:bodyPr/>
+                    <a:lstStyle/>
+                    <a:p>
+                      <a:r>
+                        <a:rPr lang="de-DE" dirty="0" smtClean="0"/>
+                        <a:t>Hop</a:t>
+                      </a:r>
+                      <a:endParaRPr lang="de-DE" dirty="0"/>
+                    </a:p>
+                  </a:txBody>
+                  <a:tcPr/>
+                </a:tc>
+                <a:tc>
+                  <a:txBody>
+                    <a:bodyPr/>
+                    <a:lstStyle/>
+                    <a:p>
+                      <a:r>
+                        <a:rPr lang="de-DE" dirty="0" err="1" smtClean="0"/>
+                        <a:t>Metric</a:t>
+                      </a:r>
+                      <a:endParaRPr lang="de-DE" dirty="0"/>
+                    </a:p>
+                  </a:txBody>
+                  <a:tcPr/>
+                </a:tc>
+                <a:extLst>
+                  <a:ext uri="{0D108BD9-81ED-4DB2-BD59-A6C34878D82A}">
+                    <a16:rowId xmlns:a16="http://schemas.microsoft.com/office/drawing/2014/main" val="565498072"/>
+                  </a:ext>
+                </a:extLst>
+              </a:tr>
+              <a:tr h="272884">
+                <a:tc>
+                  <a:txBody>
+                    <a:bodyPr/>
+                    <a:lstStyle/>
+                    <a:p>
+                      <a:r>
+                        <a:rPr lang="de-DE" dirty="0" smtClean="0"/>
+                        <a:t>2000</a:t>
+                      </a:r>
+                      <a:endParaRPr lang="de-DE" dirty="0"/>
+                    </a:p>
+                  </a:txBody>
+                  <a:tcPr/>
+                </a:tc>
+                <a:tc>
+                  <a:txBody>
+                    <a:bodyPr/>
+                    <a:lstStyle/>
+                    <a:p>
+                      <a:r>
+                        <a:rPr lang="de-DE" dirty="0" smtClean="0"/>
+                        <a:t>2000</a:t>
+                      </a:r>
+                      <a:endParaRPr lang="de-DE" dirty="0"/>
+                    </a:p>
+                  </a:txBody>
+                  <a:tcPr/>
+                </a:tc>
+                <a:tc>
+                  <a:txBody>
+                    <a:bodyPr/>
+                    <a:lstStyle/>
+                    <a:p>
+                      <a:r>
+                        <a:rPr lang="de-DE" dirty="0" smtClean="0"/>
+                        <a:t>1</a:t>
+                      </a:r>
+                      <a:endParaRPr lang="de-DE" dirty="0"/>
+                    </a:p>
+                  </a:txBody>
+                  <a:tcPr/>
+                </a:tc>
+                <a:extLst>
+                  <a:ext uri="{0D108BD9-81ED-4DB2-BD59-A6C34878D82A}">
+                    <a16:rowId xmlns:a16="http://schemas.microsoft.com/office/drawing/2014/main" val="1742315632"/>
+                  </a:ext>
+                </a:extLst>
+              </a:tr>
+              <a:tr h="272884">
+                <a:tc>
+                  <a:txBody>
+                    <a:bodyPr/>
+                    <a:lstStyle/>
+                    <a:p>
+                      <a:r>
+                        <a:rPr lang="de-DE" dirty="0" smtClean="0"/>
+                        <a:t>3000</a:t>
+                      </a:r>
+                      <a:endParaRPr lang="de-DE" dirty="0"/>
+                    </a:p>
+                  </a:txBody>
+                  <a:tcPr/>
+                </a:tc>
+                <a:tc>
+                  <a:txBody>
+                    <a:bodyPr/>
+                    <a:lstStyle/>
+                    <a:p>
+                      <a:r>
+                        <a:rPr lang="de-DE" dirty="0" smtClean="0"/>
+                        <a:t>3000</a:t>
+                      </a:r>
+                      <a:endParaRPr lang="de-DE" dirty="0"/>
+                    </a:p>
+                  </a:txBody>
+                  <a:tcPr/>
+                </a:tc>
+                <a:tc>
+                  <a:txBody>
+                    <a:bodyPr/>
+                    <a:lstStyle/>
+                    <a:p>
+                      <a:r>
+                        <a:rPr lang="de-DE" dirty="0" smtClean="0"/>
+                        <a:t>1</a:t>
+                      </a:r>
+                      <a:endParaRPr lang="de-DE" dirty="0"/>
+                    </a:p>
+                  </a:txBody>
+                  <a:tcPr/>
+                </a:tc>
+                <a:extLst>
+                  <a:ext uri="{0D108BD9-81ED-4DB2-BD59-A6C34878D82A}">
+                    <a16:rowId xmlns:a16="http://schemas.microsoft.com/office/drawing/2014/main" val="471786931"/>
+                  </a:ext>
+                </a:extLst>
+              </a:tr>
+            </a:tbl>
+          </a:graphicData>
+        </a:graphic>
+      </p:graphicFrame>
     </p:spTree>
     <p:extLst>
       <p:ext uri="{BB962C8B-B14F-4D97-AF65-F5344CB8AC3E}">
@@ -11959,14 +13317,14 @@
       </p:graphicFrame>
       <p:sp>
         <p:nvSpPr>
-          <p:cNvPr id="11" name="Textfeld 10"/>
+          <p:cNvPr id="15" name="Textfeld 14"/>
           <p:cNvSpPr txBox="1"/>
           <p:nvPr/>
         </p:nvSpPr>
         <p:spPr>
           <a:xfrm>
-            <a:off x="7637550" y="4032688"/>
-            <a:ext cx="4408447" cy="1200329"/>
+            <a:off x="1072342" y="590204"/>
+            <a:ext cx="5345083" cy="369332"/>
           </a:xfrm>
           <a:prstGeom prst="rect">
             <a:avLst/>
@@ -11981,31 +13339,7 @@
           <a:p>
             <a:r>
               <a:rPr lang="de-DE" dirty="0" smtClean="0"/>
-              <a:t>Die </a:t>
-            </a:r>
-            <a:r>
-              <a:rPr lang="de-DE" dirty="0" err="1" smtClean="0"/>
-              <a:t>NeighboorList</a:t>
-            </a:r>
-            <a:r>
-              <a:rPr lang="de-DE" dirty="0" smtClean="0"/>
-              <a:t> soll zur </a:t>
-            </a:r>
-            <a:r>
-              <a:rPr lang="de-DE" dirty="0"/>
-              <a:t>E</a:t>
-            </a:r>
-            <a:r>
-              <a:rPr lang="de-DE" dirty="0" smtClean="0"/>
-              <a:t>rgänzung dienen und nur beim Senden abgefragt werden. Wenn der Empfänger nicht in der Liste ist wird auf der </a:t>
-            </a:r>
-            <a:r>
-              <a:rPr lang="de-DE" dirty="0" err="1" smtClean="0"/>
-              <a:t>BroadcastAdresse</a:t>
-            </a:r>
-            <a:r>
-              <a:rPr lang="de-DE" dirty="0" smtClean="0"/>
-              <a:t> gesendet </a:t>
+              <a:t>A möchte an F senden</a:t>
             </a:r>
             <a:endParaRPr lang="de-DE" dirty="0"/>
           </a:p>
@@ -12013,14 +13347,14 @@
       </p:sp>
       <p:sp>
         <p:nvSpPr>
-          <p:cNvPr id="15" name="Textfeld 14"/>
+          <p:cNvPr id="8" name="Textfeld 7"/>
           <p:cNvSpPr txBox="1"/>
           <p:nvPr/>
         </p:nvSpPr>
         <p:spPr>
           <a:xfrm>
-            <a:off x="1072342" y="590204"/>
-            <a:ext cx="5345083" cy="369332"/>
+            <a:off x="6661265" y="5455920"/>
+            <a:ext cx="4098175" cy="923330"/>
           </a:xfrm>
           <a:prstGeom prst="rect">
             <a:avLst/>
@@ -12035,12 +13369,234 @@
           <a:p>
             <a:r>
               <a:rPr lang="de-DE" dirty="0" smtClean="0"/>
-              <a:t>A möchte an F senden</a:t>
+              <a:t>Die </a:t>
+            </a:r>
+            <a:r>
+              <a:rPr lang="de-DE" dirty="0" err="1" smtClean="0"/>
+              <a:t>NeighboorList</a:t>
+            </a:r>
+            <a:r>
+              <a:rPr lang="de-DE" dirty="0" smtClean="0"/>
+              <a:t> soll zur </a:t>
+            </a:r>
+            <a:r>
+              <a:rPr lang="de-DE" dirty="0" err="1" smtClean="0"/>
+              <a:t>vereinfachung</a:t>
+            </a:r>
+            <a:r>
+              <a:rPr lang="de-DE" dirty="0" smtClean="0"/>
+              <a:t> dienen ist aber eigentlich die Routing </a:t>
+            </a:r>
+            <a:r>
+              <a:rPr lang="de-DE" dirty="0"/>
+              <a:t>T</a:t>
+            </a:r>
+            <a:r>
+              <a:rPr lang="de-DE" dirty="0" smtClean="0"/>
+              <a:t>abelle Ergänzung dienen</a:t>
             </a:r>
             <a:endParaRPr lang="de-DE" dirty="0"/>
           </a:p>
         </p:txBody>
       </p:sp>
+      <p:graphicFrame>
+        <p:nvGraphicFramePr>
+          <p:cNvPr id="10" name="Tabelle 9"/>
+          <p:cNvGraphicFramePr>
+            <a:graphicFrameLocks noGrp="1"/>
+          </p:cNvGraphicFramePr>
+          <p:nvPr>
+            <p:extLst>
+              <p:ext uri="{D42A27DB-BD31-4B8C-83A1-F6EECF244321}">
+                <p14:modId xmlns:p14="http://schemas.microsoft.com/office/powerpoint/2010/main" val="3049181923"/>
+              </p:ext>
+            </p:extLst>
+          </p:nvPr>
+        </p:nvGraphicFramePr>
+        <p:xfrm>
+          <a:off x="589673" y="5543729"/>
+          <a:ext cx="5827752" cy="1097280"/>
+        </p:xfrm>
+        <a:graphic>
+          <a:graphicData uri="http://schemas.openxmlformats.org/drawingml/2006/table">
+            <a:tbl>
+              <a:tblPr firstRow="1" bandRow="1">
+                <a:tableStyleId>{5C22544A-7EE6-4342-B048-85BDC9FD1C3A}</a:tableStyleId>
+              </a:tblPr>
+              <a:tblGrid>
+                <a:gridCol w="1942584">
+                  <a:extLst>
+                    <a:ext uri="{9D8B030D-6E8A-4147-A177-3AD203B41FA5}">
+                      <a16:colId xmlns:a16="http://schemas.microsoft.com/office/drawing/2014/main" val="1181446937"/>
+                    </a:ext>
+                  </a:extLst>
+                </a:gridCol>
+                <a:gridCol w="1942584">
+                  <a:extLst>
+                    <a:ext uri="{9D8B030D-6E8A-4147-A177-3AD203B41FA5}">
+                      <a16:colId xmlns:a16="http://schemas.microsoft.com/office/drawing/2014/main" val="86100810"/>
+                    </a:ext>
+                  </a:extLst>
+                </a:gridCol>
+                <a:gridCol w="1942584">
+                  <a:extLst>
+                    <a:ext uri="{9D8B030D-6E8A-4147-A177-3AD203B41FA5}">
+                      <a16:colId xmlns:a16="http://schemas.microsoft.com/office/drawing/2014/main" val="3962326763"/>
+                    </a:ext>
+                  </a:extLst>
+                </a:gridCol>
+              </a:tblGrid>
+              <a:tr h="272884">
+                <a:tc>
+                  <a:txBody>
+                    <a:bodyPr/>
+                    <a:lstStyle/>
+                    <a:p>
+                      <a:r>
+                        <a:rPr lang="de-DE" dirty="0" smtClean="0"/>
+                        <a:t>Ziel</a:t>
+                      </a:r>
+                      <a:endParaRPr lang="de-DE" dirty="0"/>
+                    </a:p>
+                  </a:txBody>
+                  <a:tcPr/>
+                </a:tc>
+                <a:tc>
+                  <a:txBody>
+                    <a:bodyPr/>
+                    <a:lstStyle/>
+                    <a:p>
+                      <a:r>
+                        <a:rPr lang="de-DE" dirty="0" smtClean="0"/>
+                        <a:t>Hop</a:t>
+                      </a:r>
+                      <a:endParaRPr lang="de-DE" dirty="0"/>
+                    </a:p>
+                  </a:txBody>
+                  <a:tcPr/>
+                </a:tc>
+                <a:tc>
+                  <a:txBody>
+                    <a:bodyPr/>
+                    <a:lstStyle/>
+                    <a:p>
+                      <a:r>
+                        <a:rPr lang="de-DE" dirty="0" err="1" smtClean="0"/>
+                        <a:t>Metric</a:t>
+                      </a:r>
+                      <a:endParaRPr lang="de-DE" dirty="0"/>
+                    </a:p>
+                  </a:txBody>
+                  <a:tcPr/>
+                </a:tc>
+                <a:extLst>
+                  <a:ext uri="{0D108BD9-81ED-4DB2-BD59-A6C34878D82A}">
+                    <a16:rowId xmlns:a16="http://schemas.microsoft.com/office/drawing/2014/main" val="565498072"/>
+                  </a:ext>
+                </a:extLst>
+              </a:tr>
+              <a:tr h="272884">
+                <a:tc>
+                  <a:txBody>
+                    <a:bodyPr/>
+                    <a:lstStyle/>
+                    <a:p>
+                      <a:r>
+                        <a:rPr lang="de-DE" dirty="0" smtClean="0"/>
+                        <a:t>2000</a:t>
+                      </a:r>
+                      <a:endParaRPr lang="de-DE" dirty="0"/>
+                    </a:p>
+                  </a:txBody>
+                  <a:tcPr/>
+                </a:tc>
+                <a:tc>
+                  <a:txBody>
+                    <a:bodyPr/>
+                    <a:lstStyle/>
+                    <a:p>
+                      <a:r>
+                        <a:rPr lang="de-DE" dirty="0" smtClean="0"/>
+                        <a:t>2000</a:t>
+                      </a:r>
+                      <a:endParaRPr lang="de-DE" dirty="0"/>
+                    </a:p>
+                  </a:txBody>
+                  <a:tcPr/>
+                </a:tc>
+                <a:tc>
+                  <a:txBody>
+                    <a:bodyPr/>
+                    <a:lstStyle/>
+                    <a:p>
+                      <a:r>
+                        <a:rPr lang="de-DE" dirty="0" smtClean="0"/>
+                        <a:t>1</a:t>
+                      </a:r>
+                      <a:endParaRPr lang="de-DE" dirty="0"/>
+                    </a:p>
+                  </a:txBody>
+                  <a:tcPr/>
+                </a:tc>
+                <a:extLst>
+                  <a:ext uri="{0D108BD9-81ED-4DB2-BD59-A6C34878D82A}">
+                    <a16:rowId xmlns:a16="http://schemas.microsoft.com/office/drawing/2014/main" val="1742315632"/>
+                  </a:ext>
+                </a:extLst>
+              </a:tr>
+              <a:tr h="272884">
+                <a:tc>
+                  <a:txBody>
+                    <a:bodyPr/>
+                    <a:lstStyle/>
+                    <a:p>
+                      <a:r>
+                        <a:rPr lang="de-DE" dirty="0" smtClean="0"/>
+                        <a:t>3000</a:t>
+                      </a:r>
+                      <a:endParaRPr lang="de-DE" dirty="0"/>
+                    </a:p>
+                  </a:txBody>
+                  <a:tcPr/>
+                </a:tc>
+                <a:tc>
+                  <a:txBody>
+                    <a:bodyPr/>
+                    <a:lstStyle/>
+                    <a:p>
+                      <a:r>
+                        <a:rPr lang="de-DE" dirty="0" smtClean="0"/>
+                        <a:t>3000</a:t>
+                      </a:r>
+                      <a:endParaRPr lang="de-DE" dirty="0"/>
+                    </a:p>
+                  </a:txBody>
+                  <a:tcPr/>
+                </a:tc>
+                <a:tc>
+                  <a:txBody>
+                    <a:bodyPr/>
+                    <a:lstStyle/>
+                    <a:p>
+                      <a:r>
+                        <a:rPr lang="de-DE" dirty="0" smtClean="0"/>
+                        <a:t>1</a:t>
+                      </a:r>
+                      <a:endParaRPr lang="de-DE" dirty="0"/>
+                    </a:p>
+                  </a:txBody>
+                  <a:tcPr/>
+                </a:tc>
+                <a:extLst>
+                  <a:ext uri="{0D108BD9-81ED-4DB2-BD59-A6C34878D82A}">
+                    <a16:rowId xmlns:a16="http://schemas.microsoft.com/office/drawing/2014/main" val="471786931"/>
+                  </a:ext>
+                </a:extLst>
+              </a:tr>
+            </a:tbl>
+          </a:graphicData>
+        </a:graphic>
+      </p:graphicFrame>
     </p:spTree>
     <p:extLst>
       <p:ext uri="{BB962C8B-B14F-4D97-AF65-F5344CB8AC3E}">
@@ -12239,60 +13795,6 @@
       </p:graphicFrame>
       <p:sp>
         <p:nvSpPr>
-          <p:cNvPr id="11" name="Textfeld 10"/>
-          <p:cNvSpPr txBox="1"/>
-          <p:nvPr/>
-        </p:nvSpPr>
-        <p:spPr>
-          <a:xfrm>
-            <a:off x="7637550" y="4032688"/>
-            <a:ext cx="4408447" cy="1200329"/>
-          </a:xfrm>
-          <a:prstGeom prst="rect">
-            <a:avLst/>
-          </a:prstGeom>
-          <a:noFill/>
-        </p:spPr>
-        <p:txBody>
-          <a:bodyPr wrap="square" rtlCol="0">
-            <a:spAutoFit/>
-          </a:bodyPr>
-          <a:lstStyle/>
-          <a:p>
-            <a:r>
-              <a:rPr lang="de-DE" dirty="0" smtClean="0"/>
-              <a:t>Die </a:t>
-            </a:r>
-            <a:r>
-              <a:rPr lang="de-DE" dirty="0" err="1" smtClean="0"/>
-              <a:t>NeighboorList</a:t>
-            </a:r>
-            <a:r>
-              <a:rPr lang="de-DE" dirty="0" smtClean="0"/>
-              <a:t> soll zur </a:t>
-            </a:r>
-            <a:r>
-              <a:rPr lang="de-DE" dirty="0"/>
-              <a:t>E</a:t>
-            </a:r>
-            <a:r>
-              <a:rPr lang="de-DE" dirty="0" smtClean="0"/>
-              <a:t>rgänzung dienen und nur beim Senden abgefragt werden. Wenn der Empfänger nicht in der Liste ist wird auf der </a:t>
-            </a:r>
-            <a:r>
-              <a:rPr lang="de-DE" dirty="0" err="1" smtClean="0"/>
-              <a:t>BroadcastAdresse</a:t>
-            </a:r>
-            <a:r>
-              <a:rPr lang="de-DE" dirty="0" smtClean="0"/>
-              <a:t> gesendet </a:t>
-            </a:r>
-            <a:endParaRPr lang="de-DE" dirty="0"/>
-          </a:p>
-        </p:txBody>
-      </p:sp>
-      <p:sp>
-        <p:nvSpPr>
           <p:cNvPr id="15" name="Textfeld 14"/>
           <p:cNvSpPr txBox="1"/>
           <p:nvPr/>
@@ -12361,6 +13863,258 @@
           </a:p>
         </p:txBody>
       </p:sp>
+      <p:sp>
+        <p:nvSpPr>
+          <p:cNvPr id="8" name="Textfeld 7"/>
+          <p:cNvSpPr txBox="1"/>
+          <p:nvPr/>
+        </p:nvSpPr>
+        <p:spPr>
+          <a:xfrm>
+            <a:off x="6661265" y="5455920"/>
+            <a:ext cx="4098175" cy="923330"/>
+          </a:xfrm>
+          <a:prstGeom prst="rect">
+            <a:avLst/>
+          </a:prstGeom>
+          <a:noFill/>
+        </p:spPr>
+        <p:txBody>
+          <a:bodyPr wrap="square" rtlCol="0">
+            <a:spAutoFit/>
+          </a:bodyPr>
+          <a:lstStyle/>
+          <a:p>
+            <a:r>
+              <a:rPr lang="de-DE" dirty="0" smtClean="0"/>
+              <a:t>Die </a:t>
+            </a:r>
+            <a:r>
+              <a:rPr lang="de-DE" dirty="0" err="1" smtClean="0"/>
+              <a:t>NeighboorList</a:t>
+            </a:r>
+            <a:r>
+              <a:rPr lang="de-DE" dirty="0" smtClean="0"/>
+              <a:t> soll zur </a:t>
+            </a:r>
+            <a:r>
+              <a:rPr lang="de-DE" dirty="0" err="1" smtClean="0"/>
+              <a:t>vereinfachung</a:t>
+            </a:r>
+            <a:r>
+              <a:rPr lang="de-DE" dirty="0" smtClean="0"/>
+              <a:t> dienen ist aber eigentlich die Routing </a:t>
+            </a:r>
+            <a:r>
+              <a:rPr lang="de-DE" dirty="0"/>
+              <a:t>T</a:t>
+            </a:r>
+            <a:r>
+              <a:rPr lang="de-DE" dirty="0" smtClean="0"/>
+              <a:t>abelle Ergänzung dienen</a:t>
+            </a:r>
+            <a:endParaRPr lang="de-DE" dirty="0"/>
+          </a:p>
+        </p:txBody>
+      </p:sp>
+      <p:graphicFrame>
+        <p:nvGraphicFramePr>
+          <p:cNvPr id="10" name="Tabelle 9"/>
+          <p:cNvGraphicFramePr>
+            <a:graphicFrameLocks noGrp="1"/>
+          </p:cNvGraphicFramePr>
+          <p:nvPr>
+            <p:extLst>
+              <p:ext uri="{D42A27DB-BD31-4B8C-83A1-F6EECF244321}">
+                <p14:modId xmlns:p14="http://schemas.microsoft.com/office/powerpoint/2010/main" val="813206768"/>
+              </p:ext>
+            </p:extLst>
+          </p:nvPr>
+        </p:nvGraphicFramePr>
+        <p:xfrm>
+          <a:off x="589673" y="5543729"/>
+          <a:ext cx="5827752" cy="1097280"/>
+        </p:xfrm>
+        <a:graphic>
+          <a:graphicData uri="http://schemas.openxmlformats.org/drawingml/2006/table">
+            <a:tbl>
+              <a:tblPr firstRow="1" bandRow="1">
+                <a:tableStyleId>{5C22544A-7EE6-4342-B048-85BDC9FD1C3A}</a:tableStyleId>
+              </a:tblPr>
+              <a:tblGrid>
+                <a:gridCol w="1942584">
+                  <a:extLst>
+                    <a:ext uri="{9D8B030D-6E8A-4147-A177-3AD203B41FA5}">
+                      <a16:colId xmlns:a16="http://schemas.microsoft.com/office/drawing/2014/main" val="1181446937"/>
+                    </a:ext>
+                  </a:extLst>
+                </a:gridCol>
+                <a:gridCol w="1942584">
+                  <a:extLst>
+                    <a:ext uri="{9D8B030D-6E8A-4147-A177-3AD203B41FA5}">
+                      <a16:colId xmlns:a16="http://schemas.microsoft.com/office/drawing/2014/main" val="86100810"/>
+                    </a:ext>
+                  </a:extLst>
+                </a:gridCol>
+                <a:gridCol w="1942584">
+                  <a:extLst>
+                    <a:ext uri="{9D8B030D-6E8A-4147-A177-3AD203B41FA5}">
+                      <a16:colId xmlns:a16="http://schemas.microsoft.com/office/drawing/2014/main" val="3962326763"/>
+                    </a:ext>
+                  </a:extLst>
+                </a:gridCol>
+              </a:tblGrid>
+              <a:tr h="272884">
+                <a:tc>
+                  <a:txBody>
+                    <a:bodyPr/>
+                    <a:lstStyle/>
+                    <a:p>
+                      <a:r>
+                        <a:rPr lang="de-DE" dirty="0" smtClean="0"/>
+                        <a:t>Ziel</a:t>
+                      </a:r>
+                      <a:endParaRPr lang="de-DE" dirty="0"/>
+                    </a:p>
+                  </a:txBody>
+                  <a:tcPr/>
+                </a:tc>
+                <a:tc>
+                  <a:txBody>
+                    <a:bodyPr/>
+                    <a:lstStyle/>
+                    <a:p>
+                      <a:r>
+                        <a:rPr lang="de-DE" dirty="0" smtClean="0"/>
+                        <a:t>Hop</a:t>
+                      </a:r>
+                      <a:endParaRPr lang="de-DE" dirty="0"/>
+                    </a:p>
+                  </a:txBody>
+                  <a:tcPr/>
+                </a:tc>
+                <a:tc>
+                  <a:txBody>
+                    <a:bodyPr/>
+                    <a:lstStyle/>
+                    <a:p>
+                      <a:r>
+                        <a:rPr lang="de-DE" dirty="0" err="1" smtClean="0"/>
+                        <a:t>Metric</a:t>
+                      </a:r>
+                      <a:endParaRPr lang="de-DE" dirty="0"/>
+                    </a:p>
+                  </a:txBody>
+                  <a:tcPr/>
+                </a:tc>
+                <a:extLst>
+                  <a:ext uri="{0D108BD9-81ED-4DB2-BD59-A6C34878D82A}">
+                    <a16:rowId xmlns:a16="http://schemas.microsoft.com/office/drawing/2014/main" val="565498072"/>
+                  </a:ext>
+                </a:extLst>
+              </a:tr>
+              <a:tr h="272884">
+                <a:tc>
+                  <a:txBody>
+                    <a:bodyPr/>
+                    <a:lstStyle/>
+                    <a:p>
+                      <a:r>
+                        <a:rPr lang="de-DE" dirty="0" smtClean="0"/>
+                        <a:t>2000</a:t>
+                      </a:r>
+                      <a:endParaRPr lang="de-DE" dirty="0"/>
+                    </a:p>
+                  </a:txBody>
+                  <a:tcPr/>
+                </a:tc>
+                <a:tc>
+                  <a:txBody>
+                    <a:bodyPr/>
+                    <a:lstStyle/>
+                    <a:p>
+                      <a:r>
+                        <a:rPr lang="de-DE" dirty="0" smtClean="0"/>
+                        <a:t>2000</a:t>
+                      </a:r>
+                      <a:endParaRPr lang="de-DE" dirty="0"/>
+                    </a:p>
+                  </a:txBody>
+                  <a:tcPr/>
+                </a:tc>
+                <a:tc>
+                  <a:txBody>
+                    <a:bodyPr/>
+                    <a:lstStyle/>
+                    <a:p>
+                      <a:r>
+                        <a:rPr lang="de-DE" dirty="0" smtClean="0"/>
+                        <a:t>1</a:t>
+                      </a:r>
+                      <a:endParaRPr lang="de-DE" dirty="0"/>
+                    </a:p>
+                  </a:txBody>
+                  <a:tcPr/>
+                </a:tc>
+                <a:extLst>
+                  <a:ext uri="{0D108BD9-81ED-4DB2-BD59-A6C34878D82A}">
+                    <a16:rowId xmlns:a16="http://schemas.microsoft.com/office/drawing/2014/main" val="1742315632"/>
+                  </a:ext>
+                </a:extLst>
+              </a:tr>
+              <a:tr h="272884">
+                <a:tc>
+                  <a:txBody>
+                    <a:bodyPr/>
+                    <a:lstStyle/>
+                    <a:p>
+                      <a:r>
+                        <a:rPr lang="de-DE" dirty="0" smtClean="0"/>
+                        <a:t>3000</a:t>
+                      </a:r>
+                      <a:endParaRPr lang="de-DE" dirty="0"/>
+                    </a:p>
+                  </a:txBody>
+                  <a:tcPr/>
+                </a:tc>
+                <a:tc>
+                  <a:txBody>
+                    <a:bodyPr/>
+                    <a:lstStyle/>
+                    <a:p>
+                      <a:r>
+                        <a:rPr lang="de-DE" dirty="0" smtClean="0"/>
+                        <a:t>3000</a:t>
+                      </a:r>
+                      <a:endParaRPr lang="de-DE" dirty="0"/>
+                    </a:p>
+                  </a:txBody>
+                  <a:tcPr/>
+                </a:tc>
+                <a:tc>
+                  <a:txBody>
+                    <a:bodyPr/>
+                    <a:lstStyle/>
+                    <a:p>
+                      <a:r>
+                        <a:rPr lang="de-DE" dirty="0" smtClean="0"/>
+                        <a:t>1</a:t>
+                      </a:r>
+                      <a:endParaRPr lang="de-DE" dirty="0"/>
+                    </a:p>
+                  </a:txBody>
+                  <a:tcPr/>
+                </a:tc>
+                <a:extLst>
+                  <a:ext uri="{0D108BD9-81ED-4DB2-BD59-A6C34878D82A}">
+                    <a16:rowId xmlns:a16="http://schemas.microsoft.com/office/drawing/2014/main" val="471786931"/>
+                  </a:ext>
+                </a:extLst>
+              </a:tr>
+            </a:tbl>
+          </a:graphicData>
+        </a:graphic>
+      </p:graphicFrame>
     </p:spTree>
     <p:extLst>
       <p:ext uri="{BB962C8B-B14F-4D97-AF65-F5344CB8AC3E}">
